--- a/非受控文档/过程文档/图/UML基础1.pptx
+++ b/非受控文档/过程文档/图/UML基础1.pptx
@@ -56,6 +56,11 @@
     <p:sldId id="310" r:id="rId50"/>
     <p:sldId id="311" r:id="rId51"/>
     <p:sldId id="312" r:id="rId52"/>
+    <p:sldId id="313" r:id="rId53"/>
+    <p:sldId id="450" r:id="rId54"/>
+    <p:sldId id="448" r:id="rId55"/>
+    <p:sldId id="449" r:id="rId56"/>
+    <p:sldId id="314" r:id="rId57"/>
   </p:sldIdLst>
   <p:sldSz cx="12192000" cy="6858000"/>
   <p:notesSz cx="6858000" cy="9144000"/>
@@ -3385,7 +3390,7 @@
         <p:spPr>
           <a:xfrm>
             <a:off x="948690" y="2430780"/>
-            <a:ext cx="4036695" cy="2554545"/>
+            <a:ext cx="4453734" cy="1323439"/>
           </a:xfrm>
           <a:prstGeom prst="rect">
             <a:avLst/>
@@ -10457,6 +10462,35 @@
           </a:p>
         </p:txBody>
       </p:sp>
+      <p:pic>
+        <p:nvPicPr>
+          <p:cNvPr id="2" name="图片 1">
+            <a:extLst>
+              <a:ext uri="{FF2B5EF4-FFF2-40B4-BE49-F238E27FC236}">
+                <a16:creationId xmlns:a16="http://schemas.microsoft.com/office/drawing/2014/main" id="{676AB6F7-BF7C-40E3-A385-61233221A8EC}"/>
+              </a:ext>
+            </a:extLst>
+          </p:cNvPr>
+          <p:cNvPicPr>
+            <a:picLocks noChangeAspect="1"/>
+          </p:cNvPicPr>
+          <p:nvPr/>
+        </p:nvPicPr>
+        <p:blipFill rotWithShape="1">
+          <a:blip r:embed="rId2"/>
+          <a:srcRect l="21619" t="21323" r="22078" b="11586"/>
+          <a:stretch/>
+        </p:blipFill>
+        <p:spPr>
+          <a:xfrm>
+            <a:off x="1380928" y="0"/>
+            <a:ext cx="10401639" cy="6972062"/>
+          </a:xfrm>
+          <a:prstGeom prst="rect">
+            <a:avLst/>
+          </a:prstGeom>
+        </p:spPr>
+      </p:pic>
     </p:spTree>
     <p:extLst>
       <p:ext uri="{BB962C8B-B14F-4D97-AF65-F5344CB8AC3E}">
@@ -10515,6 +10549,59 @@
                                         <p:strVal val="visible"/>
                                       </p:to>
                                     </p:set>
+                                  </p:childTnLst>
+                                </p:cTn>
+                              </p:par>
+                            </p:childTnLst>
+                          </p:cTn>
+                        </p:par>
+                      </p:childTnLst>
+                    </p:cTn>
+                  </p:par>
+                  <p:par>
+                    <p:cTn id="7" fill="hold">
+                      <p:stCondLst>
+                        <p:cond delay="indefinite"/>
+                      </p:stCondLst>
+                      <p:childTnLst>
+                        <p:par>
+                          <p:cTn id="8" fill="hold">
+                            <p:stCondLst>
+                              <p:cond delay="0"/>
+                            </p:stCondLst>
+                            <p:childTnLst>
+                              <p:par>
+                                <p:cTn id="9" presetID="10" presetClass="entr" presetSubtype="0" fill="hold" nodeType="clickEffect">
+                                  <p:stCondLst>
+                                    <p:cond delay="0"/>
+                                  </p:stCondLst>
+                                  <p:childTnLst>
+                                    <p:set>
+                                      <p:cBhvr>
+                                        <p:cTn id="10" dur="1" fill="hold">
+                                          <p:stCondLst>
+                                            <p:cond delay="0"/>
+                                          </p:stCondLst>
+                                        </p:cTn>
+                                        <p:tgtEl>
+                                          <p:spTgt spid="2"/>
+                                        </p:tgtEl>
+                                        <p:attrNameLst>
+                                          <p:attrName>style.visibility</p:attrName>
+                                        </p:attrNameLst>
+                                      </p:cBhvr>
+                                      <p:to>
+                                        <p:strVal val="visible"/>
+                                      </p:to>
+                                    </p:set>
+                                    <p:animEffect transition="in" filter="fade">
+                                      <p:cBhvr>
+                                        <p:cTn id="11" dur="500"/>
+                                        <p:tgtEl>
+                                          <p:spTgt spid="2"/>
+                                        </p:tgtEl>
+                                      </p:cBhvr>
+                                    </p:animEffect>
                                   </p:childTnLst>
                                 </p:cTn>
                               </p:par>
@@ -16182,6 +16269,35 @@
           </a:p>
         </p:txBody>
       </p:sp>
+      <p:pic>
+        <p:nvPicPr>
+          <p:cNvPr id="2" name="图片 1">
+            <a:extLst>
+              <a:ext uri="{FF2B5EF4-FFF2-40B4-BE49-F238E27FC236}">
+                <a16:creationId xmlns:a16="http://schemas.microsoft.com/office/drawing/2014/main" id="{01DAA26A-A332-41B2-A9F8-67E33D0A724C}"/>
+              </a:ext>
+            </a:extLst>
+          </p:cNvPr>
+          <p:cNvPicPr>
+            <a:picLocks noChangeAspect="1"/>
+          </p:cNvPicPr>
+          <p:nvPr/>
+        </p:nvPicPr>
+        <p:blipFill rotWithShape="1">
+          <a:blip r:embed="rId2"/>
+          <a:srcRect l="19134" t="20680" r="18724" b="15871"/>
+          <a:stretch/>
+        </p:blipFill>
+        <p:spPr>
+          <a:xfrm>
+            <a:off x="1045029" y="597110"/>
+            <a:ext cx="9861652" cy="5663780"/>
+          </a:xfrm>
+          <a:prstGeom prst="rect">
+            <a:avLst/>
+          </a:prstGeom>
+        </p:spPr>
+      </p:pic>
     </p:spTree>
     <p:extLst>
       <p:ext uri="{BB962C8B-B14F-4D97-AF65-F5344CB8AC3E}">
@@ -16338,6 +16454,97 @@
                                         <p:strVal val="visible"/>
                                       </p:to>
                                     </p:set>
+                                  </p:childTnLst>
+                                </p:cTn>
+                              </p:par>
+                            </p:childTnLst>
+                          </p:cTn>
+                        </p:par>
+                      </p:childTnLst>
+                    </p:cTn>
+                  </p:par>
+                  <p:par>
+                    <p:cTn id="15" fill="hold">
+                      <p:stCondLst>
+                        <p:cond delay="indefinite"/>
+                      </p:stCondLst>
+                      <p:childTnLst>
+                        <p:par>
+                          <p:cTn id="16" fill="hold">
+                            <p:stCondLst>
+                              <p:cond delay="0"/>
+                            </p:stCondLst>
+                            <p:childTnLst>
+                              <p:par>
+                                <p:cTn id="17" presetID="2" presetClass="entr" presetSubtype="4" fill="hold" nodeType="clickEffect">
+                                  <p:stCondLst>
+                                    <p:cond delay="0"/>
+                                  </p:stCondLst>
+                                  <p:childTnLst>
+                                    <p:set>
+                                      <p:cBhvr>
+                                        <p:cTn id="18" dur="1" fill="hold">
+                                          <p:stCondLst>
+                                            <p:cond delay="0"/>
+                                          </p:stCondLst>
+                                        </p:cTn>
+                                        <p:tgtEl>
+                                          <p:spTgt spid="2"/>
+                                        </p:tgtEl>
+                                        <p:attrNameLst>
+                                          <p:attrName>style.visibility</p:attrName>
+                                        </p:attrNameLst>
+                                      </p:cBhvr>
+                                      <p:to>
+                                        <p:strVal val="visible"/>
+                                      </p:to>
+                                    </p:set>
+                                    <p:anim calcmode="lin" valueType="num">
+                                      <p:cBhvr additive="base">
+                                        <p:cTn id="19" dur="500" fill="hold"/>
+                                        <p:tgtEl>
+                                          <p:spTgt spid="2"/>
+                                        </p:tgtEl>
+                                        <p:attrNameLst>
+                                          <p:attrName>ppt_x</p:attrName>
+                                        </p:attrNameLst>
+                                      </p:cBhvr>
+                                      <p:tavLst>
+                                        <p:tav tm="0">
+                                          <p:val>
+                                            <p:strVal val="#ppt_x"/>
+                                          </p:val>
+                                        </p:tav>
+                                        <p:tav tm="100000">
+                                          <p:val>
+                                            <p:strVal val="#ppt_x"/>
+                                          </p:val>
+                                        </p:tav>
+                                      </p:tavLst>
+                                    </p:anim>
+                                    <p:anim calcmode="lin" valueType="num">
+                                      <p:cBhvr additive="base">
+                                        <p:cTn id="20" dur="500" fill="hold"/>
+                                        <p:tgtEl>
+                                          <p:spTgt spid="2"/>
+                                        </p:tgtEl>
+                                        <p:attrNameLst>
+                                          <p:attrName>ppt_y</p:attrName>
+                                        </p:attrNameLst>
+                                      </p:cBhvr>
+                                      <p:tavLst>
+                                        <p:tav tm="0">
+                                          <p:val>
+                                            <p:strVal val="1+#ppt_h/2"/>
+                                          </p:val>
+                                        </p:tav>
+                                        <p:tav tm="100000">
+                                          <p:val>
+                                            <p:strVal val="#ppt_y"/>
+                                          </p:val>
+                                        </p:tav>
+                                      </p:tavLst>
+                                    </p:anim>
                                   </p:childTnLst>
                                 </p:cTn>
                               </p:par>
@@ -17208,20 +17415,9 @@
               <a:rPr lang="zh-CN" altLang="en-US" b="1" dirty="0"/>
               <a:t>）是对象之间某种形式的通信，在垂直生命线之间，用带有简头的线并附以消息表达式方式表示。它可以激发某个操作、唤起信号或导致目标对象的创建或撤销个对象到另一个对象的消息用跨越对象生命线的消息线表示。对象还可以发送消息给它自己，即消息线从自己的生命线出发又回到自己的生命线。</a:t>
             </a:r>
-          </a:p>
-          <a:p>
-            <a:pPr marL="0" indent="0">
-              <a:buNone/>
-            </a:pPr>
             <a:br>
               <a:rPr lang="zh-CN" altLang="en-US" dirty="0"/>
             </a:br>
-            <a:endParaRPr lang="zh-CN" altLang="en-US" dirty="0"/>
-          </a:p>
-          <a:p>
-            <a:pPr marL="0" indent="0">
-              <a:buNone/>
-            </a:pPr>
             <a:br>
               <a:rPr lang="zh-CN" altLang="en-US" dirty="0"/>
             </a:br>
@@ -17372,104 +17568,6 @@
                                           <p:spTgt spid="15">
                                             <p:txEl>
                                               <p:pRg st="0" end="0"/>
-                                            </p:txEl>
-                                          </p:spTgt>
-                                        </p:tgtEl>
-                                        <p:attrNameLst>
-                                          <p:attrName>style.visibility</p:attrName>
-                                        </p:attrNameLst>
-                                      </p:cBhvr>
-                                      <p:to>
-                                        <p:strVal val="visible"/>
-                                      </p:to>
-                                    </p:set>
-                                  </p:childTnLst>
-                                </p:cTn>
-                              </p:par>
-                            </p:childTnLst>
-                          </p:cTn>
-                        </p:par>
-                      </p:childTnLst>
-                    </p:cTn>
-                  </p:par>
-                  <p:par>
-                    <p:cTn id="7" fill="hold">
-                      <p:stCondLst>
-                        <p:cond delay="indefinite"/>
-                      </p:stCondLst>
-                      <p:childTnLst>
-                        <p:par>
-                          <p:cTn id="8" fill="hold">
-                            <p:stCondLst>
-                              <p:cond delay="0"/>
-                            </p:stCondLst>
-                            <p:childTnLst>
-                              <p:par>
-                                <p:cTn id="9" presetID="1" presetClass="entr" presetSubtype="0" fill="hold" grpId="0" nodeType="clickEffect">
-                                  <p:stCondLst>
-                                    <p:cond delay="0"/>
-                                  </p:stCondLst>
-                                  <p:childTnLst>
-                                    <p:set>
-                                      <p:cBhvr>
-                                        <p:cTn id="10" dur="1" fill="hold">
-                                          <p:stCondLst>
-                                            <p:cond delay="0"/>
-                                          </p:stCondLst>
-                                        </p:cTn>
-                                        <p:tgtEl>
-                                          <p:spTgt spid="15">
-                                            <p:txEl>
-                                              <p:pRg st="1" end="1"/>
-                                            </p:txEl>
-                                          </p:spTgt>
-                                        </p:tgtEl>
-                                        <p:attrNameLst>
-                                          <p:attrName>style.visibility</p:attrName>
-                                        </p:attrNameLst>
-                                      </p:cBhvr>
-                                      <p:to>
-                                        <p:strVal val="visible"/>
-                                      </p:to>
-                                    </p:set>
-                                  </p:childTnLst>
-                                </p:cTn>
-                              </p:par>
-                            </p:childTnLst>
-                          </p:cTn>
-                        </p:par>
-                      </p:childTnLst>
-                    </p:cTn>
-                  </p:par>
-                  <p:par>
-                    <p:cTn id="11" fill="hold">
-                      <p:stCondLst>
-                        <p:cond delay="indefinite"/>
-                      </p:stCondLst>
-                      <p:childTnLst>
-                        <p:par>
-                          <p:cTn id="12" fill="hold">
-                            <p:stCondLst>
-                              <p:cond delay="0"/>
-                            </p:stCondLst>
-                            <p:childTnLst>
-                              <p:par>
-                                <p:cTn id="13" presetID="1" presetClass="entr" presetSubtype="0" fill="hold" grpId="0" nodeType="clickEffect">
-                                  <p:stCondLst>
-                                    <p:cond delay="0"/>
-                                  </p:stCondLst>
-                                  <p:childTnLst>
-                                    <p:set>
-                                      <p:cBhvr>
-                                        <p:cTn id="14" dur="1" fill="hold">
-                                          <p:stCondLst>
-                                            <p:cond delay="0"/>
-                                          </p:stCondLst>
-                                        </p:cTn>
-                                        <p:tgtEl>
-                                          <p:spTgt spid="15">
-                                            <p:txEl>
-                                              <p:pRg st="2" end="2"/>
                                             </p:txEl>
                                           </p:spTgt>
                                         </p:tgtEl>
@@ -20470,6 +20568,35 @@
           </a:p>
         </p:txBody>
       </p:sp>
+      <p:pic>
+        <p:nvPicPr>
+          <p:cNvPr id="2" name="图片 1">
+            <a:extLst>
+              <a:ext uri="{FF2B5EF4-FFF2-40B4-BE49-F238E27FC236}">
+                <a16:creationId xmlns:a16="http://schemas.microsoft.com/office/drawing/2014/main" id="{9A23AB3D-B16E-479E-9CDE-B41EA9318525}"/>
+              </a:ext>
+            </a:extLst>
+          </p:cNvPr>
+          <p:cNvPicPr>
+            <a:picLocks noChangeAspect="1"/>
+          </p:cNvPicPr>
+          <p:nvPr/>
+        </p:nvPicPr>
+        <p:blipFill rotWithShape="1">
+          <a:blip r:embed="rId2"/>
+          <a:srcRect l="12780" t="19592" r="8469" b="12108"/>
+          <a:stretch/>
+        </p:blipFill>
+        <p:spPr>
+          <a:xfrm>
+            <a:off x="1752600" y="1352938"/>
+            <a:ext cx="9601200" cy="4683968"/>
+          </a:xfrm>
+          <a:prstGeom prst="rect">
+            <a:avLst/>
+          </a:prstGeom>
+        </p:spPr>
+      </p:pic>
     </p:spTree>
     <p:extLst>
       <p:ext uri="{BB962C8B-B14F-4D97-AF65-F5344CB8AC3E}">
@@ -20577,6 +20704,59 @@
                                         <p:strVal val="visible"/>
                                       </p:to>
                                     </p:set>
+                                  </p:childTnLst>
+                                </p:cTn>
+                              </p:par>
+                            </p:childTnLst>
+                          </p:cTn>
+                        </p:par>
+                      </p:childTnLst>
+                    </p:cTn>
+                  </p:par>
+                  <p:par>
+                    <p:cTn id="11" fill="hold">
+                      <p:stCondLst>
+                        <p:cond delay="indefinite"/>
+                      </p:stCondLst>
+                      <p:childTnLst>
+                        <p:par>
+                          <p:cTn id="12" fill="hold">
+                            <p:stCondLst>
+                              <p:cond delay="0"/>
+                            </p:stCondLst>
+                            <p:childTnLst>
+                              <p:par>
+                                <p:cTn id="13" presetID="10" presetClass="entr" presetSubtype="0" fill="hold" nodeType="clickEffect">
+                                  <p:stCondLst>
+                                    <p:cond delay="0"/>
+                                  </p:stCondLst>
+                                  <p:childTnLst>
+                                    <p:set>
+                                      <p:cBhvr>
+                                        <p:cTn id="14" dur="1" fill="hold">
+                                          <p:stCondLst>
+                                            <p:cond delay="0"/>
+                                          </p:stCondLst>
+                                        </p:cTn>
+                                        <p:tgtEl>
+                                          <p:spTgt spid="2"/>
+                                        </p:tgtEl>
+                                        <p:attrNameLst>
+                                          <p:attrName>style.visibility</p:attrName>
+                                        </p:attrNameLst>
+                                      </p:cBhvr>
+                                      <p:to>
+                                        <p:strVal val="visible"/>
+                                      </p:to>
+                                    </p:set>
+                                    <p:animEffect transition="in" filter="fade">
+                                      <p:cBhvr>
+                                        <p:cTn id="15" dur="500"/>
+                                        <p:tgtEl>
+                                          <p:spTgt spid="2"/>
+                                        </p:tgtEl>
+                                      </p:cBhvr>
+                                    </p:animEffect>
                                   </p:childTnLst>
                                 </p:cTn>
                               </p:par>
@@ -22167,6 +22347,35 @@
           </a:p>
         </p:txBody>
       </p:sp>
+      <p:pic>
+        <p:nvPicPr>
+          <p:cNvPr id="2" name="图片 1">
+            <a:extLst>
+              <a:ext uri="{FF2B5EF4-FFF2-40B4-BE49-F238E27FC236}">
+                <a16:creationId xmlns:a16="http://schemas.microsoft.com/office/drawing/2014/main" id="{67193898-44BE-4FC0-8BFB-5C407F39801C}"/>
+              </a:ext>
+            </a:extLst>
+          </p:cNvPr>
+          <p:cNvPicPr>
+            <a:picLocks noChangeAspect="1"/>
+          </p:cNvPicPr>
+          <p:nvPr/>
+        </p:nvPicPr>
+        <p:blipFill rotWithShape="1">
+          <a:blip r:embed="rId2"/>
+          <a:srcRect l="13750" t="17823" r="1275" b="11837"/>
+          <a:stretch/>
+        </p:blipFill>
+        <p:spPr>
+          <a:xfrm>
+            <a:off x="462504" y="690465"/>
+            <a:ext cx="11762813" cy="5477070"/>
+          </a:xfrm>
+          <a:prstGeom prst="rect">
+            <a:avLst/>
+          </a:prstGeom>
+        </p:spPr>
+      </p:pic>
     </p:spTree>
     <p:extLst>
       <p:ext uri="{BB962C8B-B14F-4D97-AF65-F5344CB8AC3E}">
@@ -22274,6 +22483,59 @@
                                         <p:strVal val="visible"/>
                                       </p:to>
                                     </p:set>
+                                  </p:childTnLst>
+                                </p:cTn>
+                              </p:par>
+                            </p:childTnLst>
+                          </p:cTn>
+                        </p:par>
+                      </p:childTnLst>
+                    </p:cTn>
+                  </p:par>
+                  <p:par>
+                    <p:cTn id="11" fill="hold">
+                      <p:stCondLst>
+                        <p:cond delay="indefinite"/>
+                      </p:stCondLst>
+                      <p:childTnLst>
+                        <p:par>
+                          <p:cTn id="12" fill="hold">
+                            <p:stCondLst>
+                              <p:cond delay="0"/>
+                            </p:stCondLst>
+                            <p:childTnLst>
+                              <p:par>
+                                <p:cTn id="13" presetID="10" presetClass="entr" presetSubtype="0" fill="hold" nodeType="clickEffect">
+                                  <p:stCondLst>
+                                    <p:cond delay="0"/>
+                                  </p:stCondLst>
+                                  <p:childTnLst>
+                                    <p:set>
+                                      <p:cBhvr>
+                                        <p:cTn id="14" dur="1" fill="hold">
+                                          <p:stCondLst>
+                                            <p:cond delay="0"/>
+                                          </p:stCondLst>
+                                        </p:cTn>
+                                        <p:tgtEl>
+                                          <p:spTgt spid="2"/>
+                                        </p:tgtEl>
+                                        <p:attrNameLst>
+                                          <p:attrName>style.visibility</p:attrName>
+                                        </p:attrNameLst>
+                                      </p:cBhvr>
+                                      <p:to>
+                                        <p:strVal val="visible"/>
+                                      </p:to>
+                                    </p:set>
+                                    <p:animEffect transition="in" filter="fade">
+                                      <p:cBhvr>
+                                        <p:cTn id="15" dur="500"/>
+                                        <p:tgtEl>
+                                          <p:spTgt spid="2"/>
+                                        </p:tgtEl>
+                                      </p:cBhvr>
+                                    </p:animEffect>
                                   </p:childTnLst>
                                 </p:cTn>
                               </p:par>
@@ -23784,7 +24046,7 @@
 </p:sld>
 </file>
 
-<file path=ppt/slides/slide6.xml><?xml version="1.0" encoding="utf-8"?>
+<file path=ppt/slides/slide52.xml><?xml version="1.0" encoding="utf-8"?>
 <p:sld xmlns:a="http://schemas.openxmlformats.org/drawingml/2006/main" xmlns:r="http://schemas.openxmlformats.org/officeDocument/2006/relationships" xmlns:p="http://schemas.openxmlformats.org/presentationml/2006/main">
   <p:cSld>
     <p:spTree>
@@ -23803,7 +24065,408 @@
       </p:grpSpPr>
       <p:sp>
         <p:nvSpPr>
-          <p:cNvPr id="14" name="标题 13"/>
+          <p:cNvPr id="2" name="Line 16"/>
+          <p:cNvSpPr>
+            <a:spLocks noChangeShapeType="1"/>
+          </p:cNvSpPr>
+          <p:nvPr/>
+        </p:nvSpPr>
+        <p:spPr bwMode="auto">
+          <a:xfrm flipH="1">
+            <a:off x="3724539" y="-179684"/>
+            <a:ext cx="4072921" cy="7040124"/>
+          </a:xfrm>
+          <a:prstGeom prst="line">
+            <a:avLst/>
+          </a:prstGeom>
+          <a:noFill/>
+          <a:ln w="7938" cap="flat">
+            <a:solidFill>
+              <a:srgbClr val="002B41"/>
+            </a:solidFill>
+            <a:prstDash val="solid"/>
+            <a:miter lim="800000"/>
+          </a:ln>
+          <a:extLst>
+            <a:ext uri="{909E8E84-426E-40DD-AFC4-6F175D3DCCD1}">
+              <a14:hiddenFill xmlns:a14="http://schemas.microsoft.com/office/drawing/2010/main">
+                <a:noFill/>
+              </a14:hiddenFill>
+            </a:ext>
+          </a:extLst>
+        </p:spPr>
+        <p:txBody>
+          <a:bodyPr vert="horz" wrap="square" lIns="91440" tIns="45720" rIns="91440" bIns="45720" numCol="1" anchor="t" anchorCtr="0" compatLnSpc="1"/>
+          <a:lstStyle/>
+          <a:p>
+            <a:endParaRPr lang="zh-CN" altLang="en-US">
+              <a:solidFill>
+                <a:schemeClr val="bg1">
+                  <a:lumMod val="95000"/>
+                </a:schemeClr>
+              </a:solidFill>
+            </a:endParaRPr>
+          </a:p>
+        </p:txBody>
+      </p:sp>
+      <p:sp>
+        <p:nvSpPr>
+          <p:cNvPr id="3" name="Line 18"/>
+          <p:cNvSpPr>
+            <a:spLocks noChangeShapeType="1"/>
+          </p:cNvSpPr>
+          <p:nvPr/>
+        </p:nvSpPr>
+        <p:spPr bwMode="auto">
+          <a:xfrm flipH="1" flipV="1">
+            <a:off x="1904214" y="-1"/>
+            <a:ext cx="6243498" cy="6890832"/>
+          </a:xfrm>
+          <a:prstGeom prst="line">
+            <a:avLst/>
+          </a:prstGeom>
+          <a:noFill/>
+          <a:ln w="7938" cap="flat">
+            <a:solidFill>
+              <a:srgbClr val="002B41"/>
+            </a:solidFill>
+            <a:prstDash val="solid"/>
+            <a:miter lim="800000"/>
+          </a:ln>
+          <a:extLst>
+            <a:ext uri="{909E8E84-426E-40DD-AFC4-6F175D3DCCD1}">
+              <a14:hiddenFill xmlns:a14="http://schemas.microsoft.com/office/drawing/2010/main">
+                <a:noFill/>
+              </a14:hiddenFill>
+            </a:ext>
+          </a:extLst>
+        </p:spPr>
+        <p:txBody>
+          <a:bodyPr vert="horz" wrap="square" lIns="91440" tIns="45720" rIns="91440" bIns="45720" numCol="1" anchor="t" anchorCtr="0" compatLnSpc="1"/>
+          <a:lstStyle/>
+          <a:p>
+            <a:endParaRPr lang="zh-CN" altLang="en-US">
+              <a:solidFill>
+                <a:schemeClr val="bg1">
+                  <a:lumMod val="95000"/>
+                </a:schemeClr>
+              </a:solidFill>
+            </a:endParaRPr>
+          </a:p>
+        </p:txBody>
+      </p:sp>
+      <p:sp>
+        <p:nvSpPr>
+          <p:cNvPr id="4" name="Line 17"/>
+          <p:cNvSpPr>
+            <a:spLocks noChangeShapeType="1"/>
+          </p:cNvSpPr>
+          <p:nvPr/>
+        </p:nvSpPr>
+        <p:spPr bwMode="auto">
+          <a:xfrm>
+            <a:off x="0" y="2500664"/>
+            <a:ext cx="12192000" cy="3271025"/>
+          </a:xfrm>
+          <a:prstGeom prst="line">
+            <a:avLst/>
+          </a:prstGeom>
+          <a:noFill/>
+          <a:ln w="7938" cap="flat">
+            <a:solidFill>
+              <a:srgbClr val="002B41"/>
+            </a:solidFill>
+            <a:prstDash val="solid"/>
+            <a:miter lim="800000"/>
+          </a:ln>
+          <a:extLst>
+            <a:ext uri="{909E8E84-426E-40DD-AFC4-6F175D3DCCD1}">
+              <a14:hiddenFill xmlns:a14="http://schemas.microsoft.com/office/drawing/2010/main">
+                <a:noFill/>
+              </a14:hiddenFill>
+            </a:ext>
+          </a:extLst>
+        </p:spPr>
+        <p:txBody>
+          <a:bodyPr vert="horz" wrap="square" lIns="91440" tIns="45720" rIns="91440" bIns="45720" numCol="1" anchor="t" anchorCtr="0" compatLnSpc="1"/>
+          <a:lstStyle/>
+          <a:p>
+            <a:endParaRPr lang="zh-CN" altLang="en-US">
+              <a:solidFill>
+                <a:schemeClr val="bg1">
+                  <a:lumMod val="95000"/>
+                </a:schemeClr>
+              </a:solidFill>
+            </a:endParaRPr>
+          </a:p>
+        </p:txBody>
+      </p:sp>
+      <p:sp>
+        <p:nvSpPr>
+          <p:cNvPr id="5" name="Freeform 5"/>
+          <p:cNvSpPr/>
+          <p:nvPr/>
+        </p:nvSpPr>
+        <p:spPr bwMode="auto">
+          <a:xfrm>
+            <a:off x="2335428" y="0"/>
+            <a:ext cx="7521143" cy="6890833"/>
+          </a:xfrm>
+          <a:custGeom>
+            <a:avLst/>
+            <a:gdLst>
+              <a:gd name="T0" fmla="*/ 1462 w 2332"/>
+              <a:gd name="T1" fmla="*/ 0 h 3907"/>
+              <a:gd name="T2" fmla="*/ 2332 w 2332"/>
+              <a:gd name="T3" fmla="*/ 0 h 3907"/>
+              <a:gd name="T4" fmla="*/ 2332 w 2332"/>
+              <a:gd name="T5" fmla="*/ 3907 h 3907"/>
+              <a:gd name="T6" fmla="*/ 0 w 2332"/>
+              <a:gd name="T7" fmla="*/ 2595 h 3907"/>
+              <a:gd name="T8" fmla="*/ 1462 w 2332"/>
+              <a:gd name="T9" fmla="*/ 0 h 3907"/>
+              <a:gd name="connsiteX0" fmla="*/ 4048 w 7779"/>
+              <a:gd name="connsiteY0" fmla="*/ 0 h 10000"/>
+              <a:gd name="connsiteX1" fmla="*/ 7779 w 7779"/>
+              <a:gd name="connsiteY1" fmla="*/ 0 h 10000"/>
+              <a:gd name="connsiteX2" fmla="*/ 7779 w 7779"/>
+              <a:gd name="connsiteY2" fmla="*/ 10000 h 10000"/>
+              <a:gd name="connsiteX3" fmla="*/ 0 w 7779"/>
+              <a:gd name="connsiteY3" fmla="*/ 7610 h 10000"/>
+              <a:gd name="connsiteX4" fmla="*/ 4048 w 7779"/>
+              <a:gd name="connsiteY4" fmla="*/ 0 h 10000"/>
+              <a:gd name="connsiteX0-1" fmla="*/ 5204 w 14475"/>
+              <a:gd name="connsiteY0-2" fmla="*/ 0 h 9785"/>
+              <a:gd name="connsiteX1-3" fmla="*/ 10000 w 14475"/>
+              <a:gd name="connsiteY1-4" fmla="*/ 0 h 9785"/>
+              <a:gd name="connsiteX2-5" fmla="*/ 14475 w 14475"/>
+              <a:gd name="connsiteY2-6" fmla="*/ 9785 h 9785"/>
+              <a:gd name="connsiteX3-7" fmla="*/ 0 w 14475"/>
+              <a:gd name="connsiteY3-8" fmla="*/ 7610 h 9785"/>
+              <a:gd name="connsiteX4-9" fmla="*/ 5204 w 14475"/>
+              <a:gd name="connsiteY4-10" fmla="*/ 0 h 9785"/>
+              <a:gd name="connsiteX0-11" fmla="*/ 5713 w 12118"/>
+              <a:gd name="connsiteY0-12" fmla="*/ 0 h 10000"/>
+              <a:gd name="connsiteX1-13" fmla="*/ 9026 w 12118"/>
+              <a:gd name="connsiteY1-14" fmla="*/ 0 h 10000"/>
+              <a:gd name="connsiteX2-15" fmla="*/ 12118 w 12118"/>
+              <a:gd name="connsiteY2-16" fmla="*/ 10000 h 10000"/>
+              <a:gd name="connsiteX3-17" fmla="*/ 0 w 12118"/>
+              <a:gd name="connsiteY3-18" fmla="*/ 8114 h 10000"/>
+              <a:gd name="connsiteX4-19" fmla="*/ 5713 w 12118"/>
+              <a:gd name="connsiteY4-20" fmla="*/ 0 h 10000"/>
+              <a:gd name="connsiteX0-21" fmla="*/ 6684 w 13089"/>
+              <a:gd name="connsiteY0-22" fmla="*/ 0 h 10000"/>
+              <a:gd name="connsiteX1-23" fmla="*/ 9997 w 13089"/>
+              <a:gd name="connsiteY1-24" fmla="*/ 0 h 10000"/>
+              <a:gd name="connsiteX2-25" fmla="*/ 13089 w 13089"/>
+              <a:gd name="connsiteY2-26" fmla="*/ 10000 h 10000"/>
+              <a:gd name="connsiteX3-27" fmla="*/ 0 w 13089"/>
+              <a:gd name="connsiteY3-28" fmla="*/ 8173 h 10000"/>
+              <a:gd name="connsiteX4-29" fmla="*/ 6684 w 13089"/>
+              <a:gd name="connsiteY4-30" fmla="*/ 0 h 10000"/>
+              <a:gd name="connsiteX0-31" fmla="*/ 2369 w 8774"/>
+              <a:gd name="connsiteY0-32" fmla="*/ 0 h 10000"/>
+              <a:gd name="connsiteX1-33" fmla="*/ 5682 w 8774"/>
+              <a:gd name="connsiteY1-34" fmla="*/ 0 h 10000"/>
+              <a:gd name="connsiteX2-35" fmla="*/ 8774 w 8774"/>
+              <a:gd name="connsiteY2-36" fmla="*/ 10000 h 10000"/>
+              <a:gd name="connsiteX3-37" fmla="*/ 0 w 8774"/>
+              <a:gd name="connsiteY3-38" fmla="*/ 7222 h 10000"/>
+              <a:gd name="connsiteX4-39" fmla="*/ 2369 w 8774"/>
+              <a:gd name="connsiteY4-40" fmla="*/ 0 h 10000"/>
+            </a:gdLst>
+            <a:ahLst/>
+            <a:cxnLst>
+              <a:cxn ang="0">
+                <a:pos x="connsiteX0-1" y="connsiteY0-2"/>
+              </a:cxn>
+              <a:cxn ang="0">
+                <a:pos x="connsiteX1-3" y="connsiteY1-4"/>
+              </a:cxn>
+              <a:cxn ang="0">
+                <a:pos x="connsiteX2-5" y="connsiteY2-6"/>
+              </a:cxn>
+              <a:cxn ang="0">
+                <a:pos x="connsiteX3-7" y="connsiteY3-8"/>
+              </a:cxn>
+              <a:cxn ang="0">
+                <a:pos x="connsiteX4-9" y="connsiteY4-10"/>
+              </a:cxn>
+            </a:cxnLst>
+            <a:rect l="l" t="t" r="r" b="b"/>
+            <a:pathLst>
+              <a:path w="8774" h="10000">
+                <a:moveTo>
+                  <a:pt x="2369" y="0"/>
+                </a:moveTo>
+                <a:lnTo>
+                  <a:pt x="5682" y="0"/>
+                </a:lnTo>
+                <a:lnTo>
+                  <a:pt x="8774" y="10000"/>
+                </a:lnTo>
+                <a:lnTo>
+                  <a:pt x="0" y="7222"/>
+                </a:lnTo>
+                <a:lnTo>
+                  <a:pt x="2369" y="0"/>
+                </a:lnTo>
+                <a:close/>
+              </a:path>
+            </a:pathLst>
+          </a:custGeom>
+          <a:solidFill>
+            <a:srgbClr val="002B41"/>
+          </a:solidFill>
+          <a:ln w="28575">
+            <a:noFill/>
+          </a:ln>
+          <a:effectLst>
+            <a:outerShdw blurRad="254000" dist="127000" dir="2700000" algn="tl" rotWithShape="0">
+              <a:prstClr val="black">
+                <a:alpha val="40000"/>
+              </a:prstClr>
+            </a:outerShdw>
+          </a:effectLst>
+        </p:spPr>
+        <p:txBody>
+          <a:bodyPr anchor="ctr"/>
+          <a:lstStyle/>
+          <a:p>
+            <a:pPr algn="ctr"/>
+            <a:endParaRPr lang="zh-CN" altLang="en-US" sz="2000">
+              <a:solidFill>
+                <a:schemeClr val="bg1">
+                  <a:lumMod val="95000"/>
+                </a:schemeClr>
+              </a:solidFill>
+              <a:latin typeface="Calibri" panose="020F0502020204030204" pitchFamily="34" charset="0"/>
+              <a:ea typeface="宋体" panose="02010600030101010101" pitchFamily="2" charset="-122"/>
+            </a:endParaRPr>
+          </a:p>
+        </p:txBody>
+      </p:sp>
+      <p:sp>
+        <p:nvSpPr>
+          <p:cNvPr id="6" name="TextBox 76"/>
+          <p:cNvSpPr txBox="1"/>
+          <p:nvPr/>
+        </p:nvSpPr>
+        <p:spPr>
+          <a:xfrm>
+            <a:off x="4464785" y="1992830"/>
+            <a:ext cx="3262432" cy="1015663"/>
+          </a:xfrm>
+          <a:prstGeom prst="rect">
+            <a:avLst/>
+          </a:prstGeom>
+          <a:noFill/>
+          <a:effectLst/>
+        </p:spPr>
+        <p:txBody>
+          <a:bodyPr wrap="none" rtlCol="0">
+            <a:spAutoFit/>
+          </a:bodyPr>
+          <a:lstStyle/>
+          <a:p>
+            <a:pPr algn="ctr"/>
+            <a:r>
+              <a:rPr lang="zh-CN" altLang="en-US" sz="6000" dirty="0">
+                <a:solidFill>
+                  <a:schemeClr val="bg1">
+                    <a:lumMod val="95000"/>
+                  </a:schemeClr>
+                </a:solidFill>
+                <a:latin typeface="微软雅黑" panose="020B0503020204020204" pitchFamily="34" charset="-122"/>
+                <a:ea typeface="微软雅黑" panose="020B0503020204020204" pitchFamily="34" charset="-122"/>
+              </a:rPr>
+              <a:t>第七部分</a:t>
+            </a:r>
+          </a:p>
+        </p:txBody>
+      </p:sp>
+      <p:sp>
+        <p:nvSpPr>
+          <p:cNvPr id="9" name="TextBox 76"/>
+          <p:cNvSpPr txBox="1"/>
+          <p:nvPr/>
+        </p:nvSpPr>
+        <p:spPr>
+          <a:xfrm>
+            <a:off x="4323048" y="3333989"/>
+            <a:ext cx="3545903" cy="1077218"/>
+          </a:xfrm>
+          <a:prstGeom prst="rect">
+            <a:avLst/>
+          </a:prstGeom>
+          <a:noFill/>
+          <a:effectLst/>
+        </p:spPr>
+        <p:txBody>
+          <a:bodyPr wrap="square" rtlCol="0">
+            <a:spAutoFit/>
+          </a:bodyPr>
+          <a:lstStyle/>
+          <a:p>
+            <a:pPr algn="ctr"/>
+            <a:r>
+              <a:rPr lang="zh-CN" altLang="en-US" sz="3200" dirty="0">
+                <a:solidFill>
+                  <a:schemeClr val="bg1">
+                    <a:lumMod val="95000"/>
+                  </a:schemeClr>
+                </a:solidFill>
+                <a:latin typeface="微软雅黑" panose="020B0503020204020204" pitchFamily="34" charset="-122"/>
+                <a:ea typeface="微软雅黑" panose="020B0503020204020204" pitchFamily="34" charset="-122"/>
+              </a:rPr>
+              <a:t>问答、小组评价及参考资料</a:t>
+            </a:r>
+            <a:endParaRPr lang="en-US" altLang="zh-CN" sz="3200" dirty="0">
+              <a:solidFill>
+                <a:schemeClr val="bg1">
+                  <a:lumMod val="95000"/>
+                </a:schemeClr>
+              </a:solidFill>
+              <a:latin typeface="微软雅黑" panose="020B0503020204020204" pitchFamily="34" charset="-122"/>
+              <a:ea typeface="微软雅黑" panose="020B0503020204020204" pitchFamily="34" charset="-122"/>
+            </a:endParaRPr>
+          </a:p>
+        </p:txBody>
+      </p:sp>
+    </p:spTree>
+    <p:extLst>
+      <p:ext uri="{BB962C8B-B14F-4D97-AF65-F5344CB8AC3E}">
+        <p14:creationId xmlns:p14="http://schemas.microsoft.com/office/powerpoint/2010/main" val="1087387506"/>
+      </p:ext>
+    </p:extLst>
+  </p:cSld>
+  <p:clrMapOvr>
+    <a:masterClrMapping/>
+  </p:clrMapOvr>
+</p:sld>
+</file>
+
+<file path=ppt/slides/slide53.xml><?xml version="1.0" encoding="utf-8"?>
+<p:sld xmlns:a="http://schemas.openxmlformats.org/drawingml/2006/main" xmlns:r="http://schemas.openxmlformats.org/officeDocument/2006/relationships" xmlns:p="http://schemas.openxmlformats.org/presentationml/2006/main">
+  <p:cSld>
+    <p:spTree>
+      <p:nvGrpSpPr>
+        <p:cNvPr id="1" name=""/>
+        <p:cNvGrpSpPr/>
+        <p:nvPr/>
+      </p:nvGrpSpPr>
+      <p:grpSpPr>
+        <a:xfrm>
+          <a:off x="0" y="0"/>
+          <a:ext cx="0" cy="0"/>
+          <a:chOff x="0" y="0"/>
+          <a:chExt cx="0" cy="0"/>
+        </a:xfrm>
+      </p:grpSpPr>
+      <p:sp>
+        <p:nvSpPr>
+          <p:cNvPr id="2" name="标题 1"/>
           <p:cNvSpPr>
             <a:spLocks noGrp="1"/>
           </p:cNvSpPr>
@@ -23811,113 +24474,285 @@
             <p:ph type="title"/>
           </p:nvPr>
         </p:nvSpPr>
-        <p:spPr/>
+        <p:spPr>
+          <a:xfrm>
+            <a:off x="838200" y="365125"/>
+            <a:ext cx="10515600" cy="1325563"/>
+          </a:xfrm>
+        </p:spPr>
         <p:txBody>
-          <a:bodyPr>
-            <a:normAutofit/>
-          </a:bodyPr>
+          <a:bodyPr/>
           <a:lstStyle/>
           <a:p>
+            <a:pPr algn="ctr"/>
             <a:r>
               <a:rPr lang="zh-CN" altLang="en-US" dirty="0"/>
-              <a:t>类图属性的概念</a:t>
-            </a:r>
+              <a:t>问题</a:t>
+            </a:r>
+            <a:endParaRPr lang="zh-CN" dirty="0"/>
           </a:p>
         </p:txBody>
       </p:sp>
       <p:sp>
         <p:nvSpPr>
-          <p:cNvPr id="15" name="文本占位符 14"/>
+          <p:cNvPr id="3" name="内容占位符 2"/>
           <p:cNvSpPr>
             <a:spLocks noGrp="1"/>
           </p:cNvSpPr>
           <p:nvPr>
-            <p:ph type="body" orient="vert" idx="1"/>
+            <p:ph idx="1"/>
           </p:nvPr>
         </p:nvSpPr>
         <p:spPr>
           <a:xfrm>
-            <a:off x="838200" y="1825625"/>
-            <a:ext cx="10515600" cy="4351338"/>
+            <a:off x="838200" y="1810385"/>
+            <a:ext cx="10515600" cy="4682490"/>
           </a:xfrm>
         </p:spPr>
         <p:txBody>
-          <a:bodyPr vert="horz"/>
+          <a:bodyPr>
+            <a:normAutofit lnSpcReduction="10000"/>
+          </a:bodyPr>
           <a:lstStyle/>
           <a:p>
-            <a:pPr lvl="1"/>
-            <a:r>
-              <a:rPr lang="zh-CN" altLang="en-US" b="1" dirty="0"/>
-              <a:t>属性描述了类在软件系统中代表的事物（即对象）所具的特性。类可以有任意数日的属性，也可以没有属性中的 </a:t>
-            </a:r>
-            <a:r>
-              <a:rPr lang="en-US" altLang="zh-CN" b="1" dirty="0"/>
-              <a:t>Account</a:t>
-            </a:r>
-            <a:r>
-              <a:rPr lang="zh-CN" altLang="en-US" b="1" dirty="0"/>
-              <a:t>类中的 </a:t>
-            </a:r>
-            <a:r>
-              <a:rPr lang="en-US" altLang="zh-CN" b="1" dirty="0"/>
-              <a:t>balance</a:t>
-            </a:r>
-            <a:r>
-              <a:rPr lang="zh-CN" altLang="en-US" b="1" dirty="0"/>
-              <a:t>属性），另外还可以有其他的描述信息，如可见性、数据类型、默认值等，如图所示。在</a:t>
-            </a:r>
-            <a:r>
-              <a:rPr lang="en-US" altLang="zh-CN" b="1" dirty="0"/>
-              <a:t>UML</a:t>
-            </a:r>
-            <a:r>
-              <a:rPr lang="zh-CN" altLang="en-US" b="1" dirty="0"/>
-              <a:t>中，类属性的语法为</a:t>
-            </a:r>
-            <a:r>
-              <a:rPr lang="en-US" altLang="zh-CN" b="1" dirty="0"/>
-              <a:t>:[</a:t>
-            </a:r>
-            <a:r>
-              <a:rPr lang="zh-CN" altLang="en-US" b="1" dirty="0"/>
-              <a:t>可见性</a:t>
-            </a:r>
-            <a:r>
-              <a:rPr lang="en-US" altLang="zh-CN" b="1" dirty="0"/>
-              <a:t>]</a:t>
-            </a:r>
-            <a:r>
-              <a:rPr lang="zh-CN" altLang="en-US" b="1" dirty="0"/>
-              <a:t>属性名</a:t>
-            </a:r>
-            <a:r>
-              <a:rPr lang="en-US" altLang="zh-CN" b="1" dirty="0"/>
-              <a:t>[</a:t>
-            </a:r>
-            <a:r>
-              <a:rPr lang="zh-CN" altLang="en-US" b="1" dirty="0"/>
-              <a:t>：类型</a:t>
-            </a:r>
-            <a:r>
-              <a:rPr lang="en-US" altLang="zh-CN" b="1" dirty="0"/>
-              <a:t>][</a:t>
-            </a:r>
-            <a:r>
-              <a:rPr lang="zh-CN" altLang="en-US" b="1" dirty="0"/>
-              <a:t>＝初始值</a:t>
-            </a:r>
-            <a:r>
-              <a:rPr lang="en-US" altLang="zh-CN" b="1" dirty="0"/>
-              <a:t>][{</a:t>
-            </a:r>
-            <a:r>
-              <a:rPr lang="zh-CN" altLang="en-US" b="1" dirty="0"/>
-              <a:t>属性字符串</a:t>
-            </a:r>
-            <a:r>
-              <a:rPr lang="en-US" altLang="zh-CN" b="1" dirty="0"/>
-              <a:t>}]</a:t>
-            </a:r>
+            <a:pPr marL="0" indent="0">
+              <a:buNone/>
+            </a:pPr>
+            <a:r>
+              <a:rPr lang="en-US" altLang="zh-CN" dirty="0">
+                <a:latin typeface="+mn-ea"/>
+                <a:cs typeface="+mn-ea"/>
+              </a:rPr>
+              <a:t>1</a:t>
+            </a:r>
+            <a:r>
+              <a:rPr lang="zh-CN" altLang="en-US" dirty="0">
+                <a:latin typeface="+mn-ea"/>
+                <a:cs typeface="+mn-ea"/>
+              </a:rPr>
+              <a:t>、用例图的组成元素是哪些？</a:t>
+            </a:r>
+            <a:endParaRPr lang="en-US" altLang="zh-CN" dirty="0">
+              <a:latin typeface="+mn-ea"/>
+              <a:cs typeface="+mn-ea"/>
+            </a:endParaRPr>
+          </a:p>
+          <a:p>
+            <a:pPr marL="0" indent="0">
+              <a:buNone/>
+            </a:pPr>
+            <a:endParaRPr lang="en-US" altLang="zh-CN" dirty="0">
+              <a:latin typeface="+mn-ea"/>
+              <a:cs typeface="+mn-ea"/>
+            </a:endParaRPr>
+          </a:p>
+          <a:p>
+            <a:pPr marL="0" indent="0">
+              <a:buNone/>
+            </a:pPr>
+            <a:r>
+              <a:rPr lang="zh-CN" altLang="en-US" dirty="0">
+                <a:latin typeface="+mn-ea"/>
+                <a:cs typeface="+mn-ea"/>
+              </a:rPr>
+              <a:t>参与者，系统边界，用例，关联</a:t>
+            </a:r>
+            <a:endParaRPr lang="en-US" altLang="zh-CN" dirty="0">
+              <a:latin typeface="+mn-ea"/>
+              <a:cs typeface="+mn-ea"/>
+            </a:endParaRPr>
+          </a:p>
+          <a:p>
+            <a:pPr marL="0" indent="0">
+              <a:buNone/>
+            </a:pPr>
+            <a:r>
+              <a:rPr lang="en-US" altLang="zh-CN" dirty="0">
+                <a:latin typeface="+mn-ea"/>
+                <a:cs typeface="+mn-ea"/>
+              </a:rPr>
+              <a:t>2</a:t>
+            </a:r>
+            <a:r>
+              <a:rPr lang="zh-CN" altLang="en-US" dirty="0">
+                <a:latin typeface="+mn-ea"/>
+                <a:cs typeface="+mn-ea"/>
+              </a:rPr>
+              <a:t>、对象在生命线上的两种状态分别是什么？</a:t>
+            </a:r>
+            <a:endParaRPr lang="en-US" altLang="zh-CN" dirty="0">
+              <a:latin typeface="+mn-ea"/>
+              <a:cs typeface="+mn-ea"/>
+            </a:endParaRPr>
+          </a:p>
+          <a:p>
+            <a:pPr marL="0" indent="0">
+              <a:buNone/>
+            </a:pPr>
+            <a:endParaRPr lang="en-US" altLang="zh-CN" dirty="0">
+              <a:latin typeface="+mn-ea"/>
+              <a:cs typeface="+mn-ea"/>
+            </a:endParaRPr>
+          </a:p>
+          <a:p>
+            <a:pPr marL="0" indent="0">
+              <a:buNone/>
+            </a:pPr>
+            <a:r>
+              <a:rPr lang="zh-CN" altLang="en-US" dirty="0">
+                <a:latin typeface="+mn-ea"/>
+                <a:cs typeface="+mn-ea"/>
+              </a:rPr>
+              <a:t>对象在生命线上的两种状态：休眠状态和激活状态。</a:t>
+            </a:r>
+            <a:endParaRPr lang="en-US" altLang="zh-CN" dirty="0">
+              <a:latin typeface="+mn-ea"/>
+              <a:cs typeface="+mn-ea"/>
+            </a:endParaRPr>
+          </a:p>
+          <a:p>
+            <a:pPr marL="0" indent="0">
+              <a:buNone/>
+            </a:pPr>
+            <a:r>
+              <a:rPr lang="en-US" altLang="zh-CN" dirty="0">
+                <a:latin typeface="+mn-ea"/>
+                <a:cs typeface="+mn-ea"/>
+              </a:rPr>
+              <a:t>3</a:t>
+            </a:r>
+            <a:r>
+              <a:rPr lang="zh-CN" altLang="en-US" dirty="0">
+                <a:latin typeface="+mn-ea"/>
+                <a:cs typeface="+mn-ea"/>
+              </a:rPr>
+              <a:t>、什么</a:t>
+            </a:r>
+            <a:r>
+              <a:rPr lang="en-US" altLang="zh-CN" dirty="0">
+                <a:latin typeface="+mn-ea"/>
+                <a:cs typeface="+mn-ea"/>
+              </a:rPr>
+              <a:t>CRC</a:t>
+            </a:r>
+            <a:r>
+              <a:rPr lang="zh-CN" altLang="en-US" dirty="0">
+                <a:latin typeface="+mn-ea"/>
+                <a:cs typeface="+mn-ea"/>
+              </a:rPr>
+              <a:t>卡，</a:t>
+            </a:r>
+            <a:r>
+              <a:rPr lang="en-US" altLang="zh-CN" dirty="0">
+                <a:latin typeface="+mn-ea"/>
+                <a:cs typeface="+mn-ea"/>
+              </a:rPr>
+              <a:t>CRC</a:t>
+            </a:r>
+            <a:r>
+              <a:rPr lang="zh-CN" altLang="en-US" dirty="0">
+                <a:latin typeface="+mn-ea"/>
+                <a:cs typeface="+mn-ea"/>
+              </a:rPr>
+              <a:t>卡的英文全称是什么？</a:t>
+            </a:r>
+            <a:endParaRPr lang="en-US" altLang="zh-CN" dirty="0">
+              <a:latin typeface="+mn-ea"/>
+              <a:cs typeface="+mn-ea"/>
+            </a:endParaRPr>
+          </a:p>
+          <a:p>
+            <a:pPr marL="0" indent="0">
+              <a:buNone/>
+            </a:pPr>
+            <a:r>
+              <a:rPr lang="en-US" altLang="zh-CN" dirty="0">
+                <a:latin typeface="+mn-ea"/>
+                <a:cs typeface="+mn-ea"/>
+              </a:rPr>
+              <a:t>CRC</a:t>
+            </a:r>
+            <a:r>
+              <a:rPr lang="zh-CN" altLang="en-US" dirty="0">
+                <a:latin typeface="+mn-ea"/>
+                <a:cs typeface="+mn-ea"/>
+              </a:rPr>
+              <a:t>卡是一个标准索引卡集合，每一张卡片表示一个类。</a:t>
+            </a:r>
+          </a:p>
+          <a:p>
+            <a:pPr marL="0" indent="0">
+              <a:buNone/>
+            </a:pPr>
+            <a:r>
+              <a:rPr lang="zh-CN" altLang="en-US" dirty="0">
+                <a:latin typeface="+mn-ea"/>
+                <a:cs typeface="+mn-ea"/>
+              </a:rPr>
+              <a:t>        </a:t>
+            </a:r>
+            <a:r>
+              <a:rPr lang="en-US" altLang="zh-CN" dirty="0">
+                <a:latin typeface="+mn-ea"/>
+                <a:cs typeface="+mn-ea"/>
+              </a:rPr>
+              <a:t>Class-Responsibility-Collaborator  </a:t>
+            </a:r>
+          </a:p>
+          <a:p>
+            <a:pPr marL="0" indent="0">
+              <a:buNone/>
+            </a:pPr>
+            <a:r>
+              <a:rPr lang="en-US" altLang="zh-CN" dirty="0">
+                <a:latin typeface="+mn-ea"/>
+                <a:cs typeface="+mn-ea"/>
+              </a:rPr>
+              <a:t>    </a:t>
+            </a:r>
+            <a:r>
+              <a:rPr lang="zh-CN" altLang="en-US" dirty="0">
+                <a:latin typeface="+mn-ea"/>
+                <a:cs typeface="+mn-ea"/>
+              </a:rPr>
+              <a:t>类名在最上方，类的职责在左侧，类的协作关系放在右侧。</a:t>
+            </a:r>
+          </a:p>
+          <a:p>
+            <a:pPr marL="0" indent="0">
+              <a:buNone/>
+            </a:pPr>
+            <a:endParaRPr lang="en-US" altLang="zh-CN" dirty="0">
+              <a:latin typeface="+mn-ea"/>
+              <a:cs typeface="+mn-ea"/>
+            </a:endParaRPr>
+          </a:p>
+          <a:p>
+            <a:pPr marL="0" indent="0">
+              <a:buNone/>
+            </a:pPr>
+            <a:endParaRPr lang="en-US" altLang="zh-CN" dirty="0">
+              <a:latin typeface="+mn-ea"/>
+              <a:cs typeface="+mn-ea"/>
+            </a:endParaRPr>
+          </a:p>
+          <a:p>
+            <a:pPr marL="0" indent="0">
+              <a:buNone/>
+            </a:pPr>
+            <a:endParaRPr lang="en-US" altLang="zh-CN" dirty="0">
+              <a:latin typeface="+mn-ea"/>
+              <a:cs typeface="+mn-ea"/>
+            </a:endParaRPr>
+          </a:p>
+          <a:p>
+            <a:pPr marL="0" indent="0">
+              <a:buNone/>
+            </a:pPr>
+            <a:endParaRPr lang="en-US" altLang="zh-CN" dirty="0">
+              <a:latin typeface="+mn-ea"/>
+              <a:cs typeface="+mn-ea"/>
+            </a:endParaRPr>
           </a:p>
         </p:txBody>
       </p:sp>
@@ -24017,6 +24852,1850 @@
           </a:p>
         </p:txBody>
       </p:sp>
+    </p:spTree>
+    <p:extLst>
+      <p:ext uri="{BB962C8B-B14F-4D97-AF65-F5344CB8AC3E}">
+        <p14:creationId xmlns:p14="http://schemas.microsoft.com/office/powerpoint/2010/main" val="2466240856"/>
+      </p:ext>
+    </p:extLst>
+  </p:cSld>
+  <p:clrMapOvr>
+    <a:masterClrMapping/>
+  </p:clrMapOvr>
+  <p:timing>
+    <p:tnLst>
+      <p:par>
+        <p:cTn id="1" dur="indefinite" restart="never" nodeType="tmRoot">
+          <p:childTnLst>
+            <p:seq concurrent="1" nextAc="seek">
+              <p:cTn id="2" dur="indefinite" nodeType="mainSeq">
+                <p:childTnLst>
+                  <p:par>
+                    <p:cTn id="3" fill="hold">
+                      <p:stCondLst>
+                        <p:cond delay="indefinite"/>
+                      </p:stCondLst>
+                      <p:childTnLst>
+                        <p:par>
+                          <p:cTn id="4" fill="hold">
+                            <p:stCondLst>
+                              <p:cond delay="0"/>
+                            </p:stCondLst>
+                            <p:childTnLst>
+                              <p:par>
+                                <p:cTn id="5" presetID="1" presetClass="entr" presetSubtype="0" fill="hold" nodeType="clickEffect">
+                                  <p:stCondLst>
+                                    <p:cond delay="0"/>
+                                  </p:stCondLst>
+                                  <p:childTnLst>
+                                    <p:set>
+                                      <p:cBhvr>
+                                        <p:cTn id="6" dur="1" fill="hold">
+                                          <p:stCondLst>
+                                            <p:cond delay="0"/>
+                                          </p:stCondLst>
+                                        </p:cTn>
+                                        <p:tgtEl>
+                                          <p:spTgt spid="3">
+                                            <p:txEl>
+                                              <p:pRg st="0" end="0"/>
+                                            </p:txEl>
+                                          </p:spTgt>
+                                        </p:tgtEl>
+                                        <p:attrNameLst>
+                                          <p:attrName>style.visibility</p:attrName>
+                                        </p:attrNameLst>
+                                      </p:cBhvr>
+                                      <p:to>
+                                        <p:strVal val="visible"/>
+                                      </p:to>
+                                    </p:set>
+                                  </p:childTnLst>
+                                </p:cTn>
+                              </p:par>
+                            </p:childTnLst>
+                          </p:cTn>
+                        </p:par>
+                      </p:childTnLst>
+                    </p:cTn>
+                  </p:par>
+                  <p:par>
+                    <p:cTn id="7" fill="hold">
+                      <p:stCondLst>
+                        <p:cond delay="indefinite"/>
+                      </p:stCondLst>
+                      <p:childTnLst>
+                        <p:par>
+                          <p:cTn id="8" fill="hold">
+                            <p:stCondLst>
+                              <p:cond delay="0"/>
+                            </p:stCondLst>
+                            <p:childTnLst>
+                              <p:par>
+                                <p:cTn id="9" presetID="10" presetClass="entr" presetSubtype="0" fill="hold" nodeType="clickEffect">
+                                  <p:stCondLst>
+                                    <p:cond delay="0"/>
+                                  </p:stCondLst>
+                                  <p:childTnLst>
+                                    <p:set>
+                                      <p:cBhvr>
+                                        <p:cTn id="10" dur="1" fill="hold">
+                                          <p:stCondLst>
+                                            <p:cond delay="0"/>
+                                          </p:stCondLst>
+                                        </p:cTn>
+                                        <p:tgtEl>
+                                          <p:spTgt spid="3">
+                                            <p:txEl>
+                                              <p:pRg st="2" end="2"/>
+                                            </p:txEl>
+                                          </p:spTgt>
+                                        </p:tgtEl>
+                                        <p:attrNameLst>
+                                          <p:attrName>style.visibility</p:attrName>
+                                        </p:attrNameLst>
+                                      </p:cBhvr>
+                                      <p:to>
+                                        <p:strVal val="visible"/>
+                                      </p:to>
+                                    </p:set>
+                                    <p:animEffect transition="in" filter="fade">
+                                      <p:cBhvr>
+                                        <p:cTn id="11" dur="500"/>
+                                        <p:tgtEl>
+                                          <p:spTgt spid="3">
+                                            <p:txEl>
+                                              <p:pRg st="2" end="2"/>
+                                            </p:txEl>
+                                          </p:spTgt>
+                                        </p:tgtEl>
+                                      </p:cBhvr>
+                                    </p:animEffect>
+                                  </p:childTnLst>
+                                </p:cTn>
+                              </p:par>
+                            </p:childTnLst>
+                          </p:cTn>
+                        </p:par>
+                      </p:childTnLst>
+                    </p:cTn>
+                  </p:par>
+                  <p:par>
+                    <p:cTn id="12" fill="hold">
+                      <p:stCondLst>
+                        <p:cond delay="indefinite"/>
+                      </p:stCondLst>
+                      <p:childTnLst>
+                        <p:par>
+                          <p:cTn id="13" fill="hold">
+                            <p:stCondLst>
+                              <p:cond delay="0"/>
+                            </p:stCondLst>
+                            <p:childTnLst>
+                              <p:par>
+                                <p:cTn id="14" presetID="10" presetClass="entr" presetSubtype="0" fill="hold" nodeType="clickEffect">
+                                  <p:stCondLst>
+                                    <p:cond delay="0"/>
+                                  </p:stCondLst>
+                                  <p:childTnLst>
+                                    <p:set>
+                                      <p:cBhvr>
+                                        <p:cTn id="15" dur="1" fill="hold">
+                                          <p:stCondLst>
+                                            <p:cond delay="0"/>
+                                          </p:stCondLst>
+                                        </p:cTn>
+                                        <p:tgtEl>
+                                          <p:spTgt spid="3">
+                                            <p:txEl>
+                                              <p:pRg st="3" end="3"/>
+                                            </p:txEl>
+                                          </p:spTgt>
+                                        </p:tgtEl>
+                                        <p:attrNameLst>
+                                          <p:attrName>style.visibility</p:attrName>
+                                        </p:attrNameLst>
+                                      </p:cBhvr>
+                                      <p:to>
+                                        <p:strVal val="visible"/>
+                                      </p:to>
+                                    </p:set>
+                                    <p:animEffect transition="in" filter="fade">
+                                      <p:cBhvr>
+                                        <p:cTn id="16" dur="500"/>
+                                        <p:tgtEl>
+                                          <p:spTgt spid="3">
+                                            <p:txEl>
+                                              <p:pRg st="3" end="3"/>
+                                            </p:txEl>
+                                          </p:spTgt>
+                                        </p:tgtEl>
+                                      </p:cBhvr>
+                                    </p:animEffect>
+                                  </p:childTnLst>
+                                </p:cTn>
+                              </p:par>
+                            </p:childTnLst>
+                          </p:cTn>
+                        </p:par>
+                      </p:childTnLst>
+                    </p:cTn>
+                  </p:par>
+                  <p:par>
+                    <p:cTn id="17" fill="hold">
+                      <p:stCondLst>
+                        <p:cond delay="indefinite"/>
+                      </p:stCondLst>
+                      <p:childTnLst>
+                        <p:par>
+                          <p:cTn id="18" fill="hold">
+                            <p:stCondLst>
+                              <p:cond delay="0"/>
+                            </p:stCondLst>
+                            <p:childTnLst>
+                              <p:par>
+                                <p:cTn id="19" presetID="10" presetClass="entr" presetSubtype="0" fill="hold" nodeType="clickEffect">
+                                  <p:stCondLst>
+                                    <p:cond delay="0"/>
+                                  </p:stCondLst>
+                                  <p:childTnLst>
+                                    <p:set>
+                                      <p:cBhvr>
+                                        <p:cTn id="20" dur="1" fill="hold">
+                                          <p:stCondLst>
+                                            <p:cond delay="0"/>
+                                          </p:stCondLst>
+                                        </p:cTn>
+                                        <p:tgtEl>
+                                          <p:spTgt spid="3">
+                                            <p:txEl>
+                                              <p:pRg st="5" end="5"/>
+                                            </p:txEl>
+                                          </p:spTgt>
+                                        </p:tgtEl>
+                                        <p:attrNameLst>
+                                          <p:attrName>style.visibility</p:attrName>
+                                        </p:attrNameLst>
+                                      </p:cBhvr>
+                                      <p:to>
+                                        <p:strVal val="visible"/>
+                                      </p:to>
+                                    </p:set>
+                                    <p:animEffect transition="in" filter="fade">
+                                      <p:cBhvr>
+                                        <p:cTn id="21" dur="500"/>
+                                        <p:tgtEl>
+                                          <p:spTgt spid="3">
+                                            <p:txEl>
+                                              <p:pRg st="5" end="5"/>
+                                            </p:txEl>
+                                          </p:spTgt>
+                                        </p:tgtEl>
+                                      </p:cBhvr>
+                                    </p:animEffect>
+                                  </p:childTnLst>
+                                </p:cTn>
+                              </p:par>
+                            </p:childTnLst>
+                          </p:cTn>
+                        </p:par>
+                      </p:childTnLst>
+                    </p:cTn>
+                  </p:par>
+                  <p:par>
+                    <p:cTn id="22" fill="hold">
+                      <p:stCondLst>
+                        <p:cond delay="indefinite"/>
+                      </p:stCondLst>
+                      <p:childTnLst>
+                        <p:par>
+                          <p:cTn id="23" fill="hold">
+                            <p:stCondLst>
+                              <p:cond delay="0"/>
+                            </p:stCondLst>
+                            <p:childTnLst>
+                              <p:par>
+                                <p:cTn id="24" presetID="10" presetClass="entr" presetSubtype="0" fill="hold" nodeType="clickEffect">
+                                  <p:stCondLst>
+                                    <p:cond delay="0"/>
+                                  </p:stCondLst>
+                                  <p:childTnLst>
+                                    <p:set>
+                                      <p:cBhvr>
+                                        <p:cTn id="25" dur="1" fill="hold">
+                                          <p:stCondLst>
+                                            <p:cond delay="0"/>
+                                          </p:stCondLst>
+                                        </p:cTn>
+                                        <p:tgtEl>
+                                          <p:spTgt spid="3">
+                                            <p:txEl>
+                                              <p:pRg st="6" end="6"/>
+                                            </p:txEl>
+                                          </p:spTgt>
+                                        </p:tgtEl>
+                                        <p:attrNameLst>
+                                          <p:attrName>style.visibility</p:attrName>
+                                        </p:attrNameLst>
+                                      </p:cBhvr>
+                                      <p:to>
+                                        <p:strVal val="visible"/>
+                                      </p:to>
+                                    </p:set>
+                                    <p:animEffect transition="in" filter="fade">
+                                      <p:cBhvr>
+                                        <p:cTn id="26" dur="500"/>
+                                        <p:tgtEl>
+                                          <p:spTgt spid="3">
+                                            <p:txEl>
+                                              <p:pRg st="6" end="6"/>
+                                            </p:txEl>
+                                          </p:spTgt>
+                                        </p:tgtEl>
+                                      </p:cBhvr>
+                                    </p:animEffect>
+                                  </p:childTnLst>
+                                </p:cTn>
+                              </p:par>
+                            </p:childTnLst>
+                          </p:cTn>
+                        </p:par>
+                      </p:childTnLst>
+                    </p:cTn>
+                  </p:par>
+                  <p:par>
+                    <p:cTn id="27" fill="hold">
+                      <p:stCondLst>
+                        <p:cond delay="indefinite"/>
+                      </p:stCondLst>
+                      <p:childTnLst>
+                        <p:par>
+                          <p:cTn id="28" fill="hold">
+                            <p:stCondLst>
+                              <p:cond delay="0"/>
+                            </p:stCondLst>
+                            <p:childTnLst>
+                              <p:par>
+                                <p:cTn id="29" presetID="10" presetClass="entr" presetSubtype="0" fill="hold" nodeType="clickEffect">
+                                  <p:stCondLst>
+                                    <p:cond delay="0"/>
+                                  </p:stCondLst>
+                                  <p:childTnLst>
+                                    <p:set>
+                                      <p:cBhvr>
+                                        <p:cTn id="30" dur="1" fill="hold">
+                                          <p:stCondLst>
+                                            <p:cond delay="0"/>
+                                          </p:stCondLst>
+                                        </p:cTn>
+                                        <p:tgtEl>
+                                          <p:spTgt spid="3">
+                                            <p:txEl>
+                                              <p:pRg st="7" end="7"/>
+                                            </p:txEl>
+                                          </p:spTgt>
+                                        </p:tgtEl>
+                                        <p:attrNameLst>
+                                          <p:attrName>style.visibility</p:attrName>
+                                        </p:attrNameLst>
+                                      </p:cBhvr>
+                                      <p:to>
+                                        <p:strVal val="visible"/>
+                                      </p:to>
+                                    </p:set>
+                                    <p:animEffect transition="in" filter="fade">
+                                      <p:cBhvr>
+                                        <p:cTn id="31" dur="500"/>
+                                        <p:tgtEl>
+                                          <p:spTgt spid="3">
+                                            <p:txEl>
+                                              <p:pRg st="7" end="7"/>
+                                            </p:txEl>
+                                          </p:spTgt>
+                                        </p:tgtEl>
+                                      </p:cBhvr>
+                                    </p:animEffect>
+                                  </p:childTnLst>
+                                </p:cTn>
+                              </p:par>
+                              <p:par>
+                                <p:cTn id="32" presetID="10" presetClass="entr" presetSubtype="0" fill="hold" nodeType="withEffect">
+                                  <p:stCondLst>
+                                    <p:cond delay="0"/>
+                                  </p:stCondLst>
+                                  <p:childTnLst>
+                                    <p:set>
+                                      <p:cBhvr>
+                                        <p:cTn id="33" dur="1" fill="hold">
+                                          <p:stCondLst>
+                                            <p:cond delay="0"/>
+                                          </p:stCondLst>
+                                        </p:cTn>
+                                        <p:tgtEl>
+                                          <p:spTgt spid="3">
+                                            <p:txEl>
+                                              <p:pRg st="8" end="8"/>
+                                            </p:txEl>
+                                          </p:spTgt>
+                                        </p:tgtEl>
+                                        <p:attrNameLst>
+                                          <p:attrName>style.visibility</p:attrName>
+                                        </p:attrNameLst>
+                                      </p:cBhvr>
+                                      <p:to>
+                                        <p:strVal val="visible"/>
+                                      </p:to>
+                                    </p:set>
+                                    <p:animEffect transition="in" filter="fade">
+                                      <p:cBhvr>
+                                        <p:cTn id="34" dur="500"/>
+                                        <p:tgtEl>
+                                          <p:spTgt spid="3">
+                                            <p:txEl>
+                                              <p:pRg st="8" end="8"/>
+                                            </p:txEl>
+                                          </p:spTgt>
+                                        </p:tgtEl>
+                                      </p:cBhvr>
+                                    </p:animEffect>
+                                  </p:childTnLst>
+                                </p:cTn>
+                              </p:par>
+                              <p:par>
+                                <p:cTn id="35" presetID="10" presetClass="entr" presetSubtype="0" fill="hold" nodeType="withEffect">
+                                  <p:stCondLst>
+                                    <p:cond delay="0"/>
+                                  </p:stCondLst>
+                                  <p:childTnLst>
+                                    <p:set>
+                                      <p:cBhvr>
+                                        <p:cTn id="36" dur="1" fill="hold">
+                                          <p:stCondLst>
+                                            <p:cond delay="0"/>
+                                          </p:stCondLst>
+                                        </p:cTn>
+                                        <p:tgtEl>
+                                          <p:spTgt spid="3">
+                                            <p:txEl>
+                                              <p:pRg st="9" end="9"/>
+                                            </p:txEl>
+                                          </p:spTgt>
+                                        </p:tgtEl>
+                                        <p:attrNameLst>
+                                          <p:attrName>style.visibility</p:attrName>
+                                        </p:attrNameLst>
+                                      </p:cBhvr>
+                                      <p:to>
+                                        <p:strVal val="visible"/>
+                                      </p:to>
+                                    </p:set>
+                                    <p:animEffect transition="in" filter="fade">
+                                      <p:cBhvr>
+                                        <p:cTn id="37" dur="500"/>
+                                        <p:tgtEl>
+                                          <p:spTgt spid="3">
+                                            <p:txEl>
+                                              <p:pRg st="9" end="9"/>
+                                            </p:txEl>
+                                          </p:spTgt>
+                                        </p:tgtEl>
+                                      </p:cBhvr>
+                                    </p:animEffect>
+                                  </p:childTnLst>
+                                </p:cTn>
+                              </p:par>
+                            </p:childTnLst>
+                          </p:cTn>
+                        </p:par>
+                      </p:childTnLst>
+                    </p:cTn>
+                  </p:par>
+                </p:childTnLst>
+              </p:cTn>
+              <p:prevCondLst>
+                <p:cond evt="onPrev" delay="0">
+                  <p:tgtEl>
+                    <p:sldTgt/>
+                  </p:tgtEl>
+                </p:cond>
+              </p:prevCondLst>
+              <p:nextCondLst>
+                <p:cond evt="onNext" delay="0">
+                  <p:tgtEl>
+                    <p:sldTgt/>
+                  </p:tgtEl>
+                </p:cond>
+              </p:nextCondLst>
+            </p:seq>
+          </p:childTnLst>
+        </p:cTn>
+      </p:par>
+    </p:tnLst>
+  </p:timing>
+</p:sld>
+</file>
+
+<file path=ppt/slides/slide54.xml><?xml version="1.0" encoding="utf-8"?>
+<p:sld xmlns:a="http://schemas.openxmlformats.org/drawingml/2006/main" xmlns:r="http://schemas.openxmlformats.org/officeDocument/2006/relationships" xmlns:p="http://schemas.openxmlformats.org/presentationml/2006/main">
+  <p:cSld>
+    <p:spTree>
+      <p:nvGrpSpPr>
+        <p:cNvPr id="1" name=""/>
+        <p:cNvGrpSpPr/>
+        <p:nvPr/>
+      </p:nvGrpSpPr>
+      <p:grpSpPr>
+        <a:xfrm>
+          <a:off x="0" y="0"/>
+          <a:ext cx="0" cy="0"/>
+          <a:chOff x="0" y="0"/>
+          <a:chExt cx="0" cy="0"/>
+        </a:xfrm>
+      </p:grpSpPr>
+      <p:sp>
+        <p:nvSpPr>
+          <p:cNvPr id="2" name="标题 1"/>
+          <p:cNvSpPr>
+            <a:spLocks noGrp="1"/>
+          </p:cNvSpPr>
+          <p:nvPr>
+            <p:ph type="title"/>
+          </p:nvPr>
+        </p:nvSpPr>
+        <p:spPr>
+          <a:xfrm>
+            <a:off x="838200" y="365125"/>
+            <a:ext cx="10515600" cy="1325563"/>
+          </a:xfrm>
+        </p:spPr>
+        <p:txBody>
+          <a:bodyPr/>
+          <a:lstStyle/>
+          <a:p>
+            <a:pPr algn="ctr"/>
+            <a:r>
+              <a:rPr lang="zh-CN" altLang="en-US" dirty="0"/>
+              <a:t>参考资料</a:t>
+            </a:r>
+            <a:endParaRPr lang="zh-CN" dirty="0"/>
+          </a:p>
+        </p:txBody>
+      </p:sp>
+      <p:sp>
+        <p:nvSpPr>
+          <p:cNvPr id="3" name="内容占位符 2"/>
+          <p:cNvSpPr>
+            <a:spLocks noGrp="1"/>
+          </p:cNvSpPr>
+          <p:nvPr>
+            <p:ph idx="1"/>
+          </p:nvPr>
+        </p:nvSpPr>
+        <p:spPr>
+          <a:xfrm>
+            <a:off x="838200" y="1810385"/>
+            <a:ext cx="10515600" cy="4351338"/>
+          </a:xfrm>
+        </p:spPr>
+        <p:txBody>
+          <a:bodyPr>
+            <a:normAutofit/>
+          </a:bodyPr>
+          <a:lstStyle/>
+          <a:p>
+            <a:pPr marL="0" indent="0">
+              <a:buNone/>
+            </a:pPr>
+            <a:r>
+              <a:rPr lang="en-US" altLang="zh-CN" dirty="0">
+                <a:latin typeface="+mn-ea"/>
+                <a:cs typeface="+mn-ea"/>
+              </a:rPr>
+              <a:t>【1】《UML2</a:t>
+            </a:r>
+            <a:r>
+              <a:rPr lang="zh-CN" altLang="en-US" dirty="0">
+                <a:latin typeface="+mn-ea"/>
+                <a:cs typeface="+mn-ea"/>
+              </a:rPr>
+              <a:t>基础、建模与设计教程</a:t>
+            </a:r>
+            <a:r>
+              <a:rPr lang="en-US" altLang="zh-CN" dirty="0">
+                <a:latin typeface="+mn-ea"/>
+                <a:cs typeface="+mn-ea"/>
+              </a:rPr>
+              <a:t>》</a:t>
+            </a:r>
+          </a:p>
+          <a:p>
+            <a:pPr marL="0" indent="0">
+              <a:buNone/>
+            </a:pPr>
+            <a:r>
+              <a:rPr lang="en-US" altLang="zh-CN" dirty="0">
+                <a:latin typeface="+mn-ea"/>
+                <a:cs typeface="+mn-ea"/>
+              </a:rPr>
+              <a:t>【2】《UML</a:t>
+            </a:r>
+            <a:r>
+              <a:rPr lang="zh-CN" altLang="en-US" dirty="0">
+                <a:latin typeface="+mn-ea"/>
+                <a:cs typeface="+mn-ea"/>
+              </a:rPr>
+              <a:t>用户指南</a:t>
+            </a:r>
+            <a:r>
+              <a:rPr lang="en-US" altLang="zh-CN" dirty="0">
+                <a:latin typeface="+mn-ea"/>
+                <a:cs typeface="+mn-ea"/>
+              </a:rPr>
+              <a:t>》</a:t>
+            </a:r>
+          </a:p>
+        </p:txBody>
+      </p:sp>
+      <p:sp>
+        <p:nvSpPr>
+          <p:cNvPr id="4" name="Freeform 5"/>
+          <p:cNvSpPr/>
+          <p:nvPr/>
+        </p:nvSpPr>
+        <p:spPr bwMode="auto">
+          <a:xfrm flipH="1">
+            <a:off x="0" y="-13281"/>
+            <a:ext cx="409433" cy="832147"/>
+          </a:xfrm>
+          <a:custGeom>
+            <a:avLst/>
+            <a:gdLst>
+              <a:gd name="T0" fmla="*/ 1462 w 2332"/>
+              <a:gd name="T1" fmla="*/ 0 h 3907"/>
+              <a:gd name="T2" fmla="*/ 2332 w 2332"/>
+              <a:gd name="T3" fmla="*/ 0 h 3907"/>
+              <a:gd name="T4" fmla="*/ 2332 w 2332"/>
+              <a:gd name="T5" fmla="*/ 3907 h 3907"/>
+              <a:gd name="T6" fmla="*/ 0 w 2332"/>
+              <a:gd name="T7" fmla="*/ 2595 h 3907"/>
+              <a:gd name="T8" fmla="*/ 1462 w 2332"/>
+              <a:gd name="T9" fmla="*/ 0 h 3907"/>
+            </a:gdLst>
+            <a:ahLst/>
+            <a:cxnLst>
+              <a:cxn ang="0">
+                <a:pos x="T0" y="T1"/>
+              </a:cxn>
+              <a:cxn ang="0">
+                <a:pos x="T2" y="T3"/>
+              </a:cxn>
+              <a:cxn ang="0">
+                <a:pos x="T4" y="T5"/>
+              </a:cxn>
+              <a:cxn ang="0">
+                <a:pos x="T6" y="T7"/>
+              </a:cxn>
+              <a:cxn ang="0">
+                <a:pos x="T8" y="T9"/>
+              </a:cxn>
+            </a:cxnLst>
+            <a:rect l="0" t="0" r="r" b="b"/>
+            <a:pathLst>
+              <a:path w="2332" h="3907">
+                <a:moveTo>
+                  <a:pt x="1462" y="0"/>
+                </a:moveTo>
+                <a:lnTo>
+                  <a:pt x="2332" y="0"/>
+                </a:lnTo>
+                <a:lnTo>
+                  <a:pt x="2332" y="3907"/>
+                </a:lnTo>
+                <a:lnTo>
+                  <a:pt x="0" y="2595"/>
+                </a:lnTo>
+                <a:lnTo>
+                  <a:pt x="1462" y="0"/>
+                </a:lnTo>
+                <a:close/>
+              </a:path>
+            </a:pathLst>
+          </a:custGeom>
+          <a:solidFill>
+            <a:srgbClr val="002B41"/>
+          </a:solidFill>
+          <a:ln w="28575">
+            <a:noFill/>
+          </a:ln>
+          <a:effectLst>
+            <a:outerShdw blurRad="254000" dist="127000" dir="2700000" algn="tl" rotWithShape="0">
+              <a:prstClr val="black">
+                <a:alpha val="40000"/>
+              </a:prstClr>
+            </a:outerShdw>
+          </a:effectLst>
+        </p:spPr>
+        <p:txBody>
+          <a:bodyPr anchor="ctr"/>
+          <a:lstStyle/>
+          <a:p>
+            <a:pPr algn="ctr"/>
+            <a:endParaRPr lang="zh-CN" altLang="en-US" sz="2000">
+              <a:solidFill>
+                <a:schemeClr val="bg1">
+                  <a:lumMod val="95000"/>
+                </a:schemeClr>
+              </a:solidFill>
+              <a:latin typeface="Calibri" panose="020F0502020204030204" pitchFamily="34" charset="0"/>
+              <a:ea typeface="宋体" panose="02010600030101010101" pitchFamily="2" charset="-122"/>
+            </a:endParaRPr>
+          </a:p>
+        </p:txBody>
+      </p:sp>
+    </p:spTree>
+    <p:extLst>
+      <p:ext uri="{BB962C8B-B14F-4D97-AF65-F5344CB8AC3E}">
+        <p14:creationId xmlns:p14="http://schemas.microsoft.com/office/powerpoint/2010/main" val="616533518"/>
+      </p:ext>
+    </p:extLst>
+  </p:cSld>
+  <p:clrMapOvr>
+    <a:masterClrMapping/>
+  </p:clrMapOvr>
+</p:sld>
+</file>
+
+<file path=ppt/slides/slide55.xml><?xml version="1.0" encoding="utf-8"?>
+<p:sld xmlns:a="http://schemas.openxmlformats.org/drawingml/2006/main" xmlns:r="http://schemas.openxmlformats.org/officeDocument/2006/relationships" xmlns:p="http://schemas.openxmlformats.org/presentationml/2006/main">
+  <p:cSld>
+    <p:spTree>
+      <p:nvGrpSpPr>
+        <p:cNvPr id="1" name=""/>
+        <p:cNvGrpSpPr/>
+        <p:nvPr/>
+      </p:nvGrpSpPr>
+      <p:grpSpPr>
+        <a:xfrm>
+          <a:off x="0" y="0"/>
+          <a:ext cx="0" cy="0"/>
+          <a:chOff x="0" y="0"/>
+          <a:chExt cx="0" cy="0"/>
+        </a:xfrm>
+      </p:grpSpPr>
+      <p:sp>
+        <p:nvSpPr>
+          <p:cNvPr id="2" name="标题 1"/>
+          <p:cNvSpPr>
+            <a:spLocks noGrp="1"/>
+          </p:cNvSpPr>
+          <p:nvPr>
+            <p:ph type="title"/>
+          </p:nvPr>
+        </p:nvSpPr>
+        <p:spPr>
+          <a:xfrm>
+            <a:off x="838200" y="365125"/>
+            <a:ext cx="10515600" cy="1325563"/>
+          </a:xfrm>
+        </p:spPr>
+        <p:txBody>
+          <a:bodyPr/>
+          <a:lstStyle/>
+          <a:p>
+            <a:pPr algn="ctr"/>
+            <a:r>
+              <a:rPr lang="zh-CN" dirty="0"/>
+              <a:t>小组</a:t>
+            </a:r>
+            <a:r>
+              <a:rPr lang="zh-CN" altLang="en-US" dirty="0"/>
+              <a:t>成员</a:t>
+            </a:r>
+            <a:r>
+              <a:rPr lang="zh-CN" dirty="0"/>
+              <a:t>分工及评价</a:t>
+            </a:r>
+          </a:p>
+        </p:txBody>
+      </p:sp>
+      <p:sp>
+        <p:nvSpPr>
+          <p:cNvPr id="3" name="内容占位符 2"/>
+          <p:cNvSpPr>
+            <a:spLocks noGrp="1"/>
+          </p:cNvSpPr>
+          <p:nvPr>
+            <p:ph idx="1"/>
+          </p:nvPr>
+        </p:nvSpPr>
+        <p:spPr>
+          <a:xfrm>
+            <a:off x="838200" y="1810385"/>
+            <a:ext cx="11142306" cy="2859269"/>
+          </a:xfrm>
+        </p:spPr>
+        <p:txBody>
+          <a:bodyPr>
+            <a:normAutofit lnSpcReduction="10000"/>
+          </a:bodyPr>
+          <a:lstStyle/>
+          <a:p>
+            <a:pPr marL="0" indent="0">
+              <a:buNone/>
+            </a:pPr>
+            <a:r>
+              <a:rPr lang="zh-CN" altLang="en-US" dirty="0">
+                <a:latin typeface="+mn-ea"/>
+                <a:cs typeface="+mn-ea"/>
+              </a:rPr>
+              <a:t>陈妍蓝：项目工程计划的修改，需求工程文档的修改，甘特图，</a:t>
+            </a:r>
+            <a:r>
+              <a:rPr lang="en-US" altLang="zh-CN" dirty="0">
+                <a:latin typeface="+mn-ea"/>
+                <a:cs typeface="+mn-ea"/>
+              </a:rPr>
+              <a:t>WBS,OBS</a:t>
+            </a:r>
+            <a:r>
+              <a:rPr lang="zh-CN" altLang="en-US" dirty="0">
+                <a:latin typeface="+mn-ea"/>
+                <a:cs typeface="+mn-ea"/>
+              </a:rPr>
+              <a:t>图，修改需求工程</a:t>
+            </a:r>
+            <a:r>
+              <a:rPr lang="en-US" altLang="zh-CN" dirty="0">
+                <a:latin typeface="+mn-ea"/>
+                <a:cs typeface="+mn-ea"/>
+              </a:rPr>
+              <a:t>PPT</a:t>
+            </a:r>
+            <a:r>
+              <a:rPr lang="zh-CN" altLang="en-US" dirty="0">
+                <a:latin typeface="+mn-ea"/>
+                <a:cs typeface="+mn-ea"/>
+              </a:rPr>
+              <a:t>，</a:t>
+            </a:r>
+            <a:r>
+              <a:rPr lang="en-US" altLang="zh-CN" dirty="0">
+                <a:latin typeface="+mn-ea"/>
+                <a:cs typeface="+mn-ea"/>
+              </a:rPr>
+              <a:t>UML</a:t>
+            </a:r>
+            <a:r>
+              <a:rPr lang="zh-CN" altLang="en-US" dirty="0">
+                <a:latin typeface="+mn-ea"/>
+                <a:cs typeface="+mn-ea"/>
+              </a:rPr>
+              <a:t>基础</a:t>
+            </a:r>
+            <a:r>
+              <a:rPr lang="en-US" altLang="zh-CN" dirty="0">
+                <a:latin typeface="+mn-ea"/>
+                <a:cs typeface="+mn-ea"/>
+              </a:rPr>
+              <a:t>PPT</a:t>
+            </a:r>
+            <a:r>
+              <a:rPr lang="zh-CN" altLang="en-US" dirty="0">
+                <a:latin typeface="+mn-ea"/>
+                <a:cs typeface="+mn-ea"/>
+              </a:rPr>
+              <a:t>；</a:t>
+            </a:r>
+            <a:r>
+              <a:rPr lang="en-US" altLang="zh-CN" dirty="0">
+                <a:latin typeface="+mn-ea"/>
+                <a:cs typeface="+mn-ea"/>
+              </a:rPr>
+              <a:t>87</a:t>
+            </a:r>
+            <a:r>
+              <a:rPr lang="zh-CN" altLang="en-US" dirty="0">
+                <a:latin typeface="+mn-ea"/>
+                <a:cs typeface="+mn-ea"/>
+              </a:rPr>
+              <a:t>分</a:t>
+            </a:r>
+            <a:endParaRPr lang="en-US" altLang="zh-CN" dirty="0">
+              <a:latin typeface="+mn-ea"/>
+              <a:cs typeface="+mn-ea"/>
+            </a:endParaRPr>
+          </a:p>
+          <a:p>
+            <a:pPr marL="0" indent="0">
+              <a:buNone/>
+            </a:pPr>
+            <a:r>
+              <a:rPr lang="zh-CN" altLang="en-US" dirty="0">
+                <a:latin typeface="+mn-ea"/>
+                <a:cs typeface="+mn-ea"/>
+              </a:rPr>
+              <a:t>陈遵义：需求工程文档的初步编写，</a:t>
+            </a:r>
+            <a:r>
+              <a:rPr lang="en-US" altLang="zh-CN" dirty="0">
+                <a:latin typeface="+mn-ea"/>
+                <a:cs typeface="+mn-ea"/>
+              </a:rPr>
+              <a:t>UML</a:t>
+            </a:r>
+            <a:r>
+              <a:rPr lang="zh-CN" altLang="en-US" dirty="0">
+                <a:latin typeface="+mn-ea"/>
+                <a:cs typeface="+mn-ea"/>
+              </a:rPr>
+              <a:t>图的制作；</a:t>
+            </a:r>
+            <a:r>
+              <a:rPr lang="en-US" altLang="zh-CN" dirty="0">
+                <a:latin typeface="+mn-ea"/>
+                <a:cs typeface="+mn-ea"/>
+              </a:rPr>
+              <a:t>85</a:t>
+            </a:r>
+            <a:r>
+              <a:rPr lang="zh-CN" altLang="en-US" dirty="0">
+                <a:latin typeface="+mn-ea"/>
+                <a:cs typeface="+mn-ea"/>
+              </a:rPr>
+              <a:t>分</a:t>
+            </a:r>
+            <a:endParaRPr lang="en-US" altLang="zh-CN" dirty="0">
+              <a:latin typeface="+mn-ea"/>
+              <a:cs typeface="+mn-ea"/>
+            </a:endParaRPr>
+          </a:p>
+          <a:p>
+            <a:pPr marL="0" indent="0">
+              <a:buNone/>
+            </a:pPr>
+            <a:r>
+              <a:rPr lang="zh-CN" altLang="en-US" dirty="0">
+                <a:latin typeface="+mn-ea"/>
+                <a:cs typeface="+mn-ea"/>
+              </a:rPr>
+              <a:t>宋翼虎：搜集整理资料，制作需求工程</a:t>
+            </a:r>
+            <a:r>
+              <a:rPr lang="en-US" altLang="zh-CN" dirty="0">
+                <a:latin typeface="+mn-ea"/>
+                <a:cs typeface="+mn-ea"/>
+              </a:rPr>
+              <a:t>PPT</a:t>
+            </a:r>
+            <a:r>
+              <a:rPr lang="zh-CN" altLang="en-US" dirty="0">
+                <a:latin typeface="+mn-ea"/>
+                <a:cs typeface="+mn-ea"/>
+              </a:rPr>
+              <a:t>的制作；</a:t>
+            </a:r>
+            <a:r>
+              <a:rPr lang="en-US" altLang="zh-CN" dirty="0">
+                <a:latin typeface="+mn-ea"/>
+                <a:cs typeface="+mn-ea"/>
+              </a:rPr>
+              <a:t>82</a:t>
+            </a:r>
+            <a:r>
+              <a:rPr lang="zh-CN" altLang="en-US" dirty="0">
+                <a:latin typeface="+mn-ea"/>
+                <a:cs typeface="+mn-ea"/>
+              </a:rPr>
+              <a:t>分</a:t>
+            </a:r>
+            <a:endParaRPr lang="en-US" altLang="zh-CN" dirty="0">
+              <a:latin typeface="+mn-ea"/>
+              <a:cs typeface="+mn-ea"/>
+            </a:endParaRPr>
+          </a:p>
+          <a:p>
+            <a:pPr marL="0" indent="0">
+              <a:buNone/>
+            </a:pPr>
+            <a:r>
+              <a:rPr lang="zh-CN" altLang="en-US" dirty="0">
+                <a:latin typeface="+mn-ea"/>
+                <a:cs typeface="+mn-ea"/>
+              </a:rPr>
+              <a:t>郑巧雁：编写</a:t>
+            </a:r>
+            <a:r>
+              <a:rPr lang="en-US" altLang="zh-CN" dirty="0">
+                <a:latin typeface="+mn-ea"/>
+                <a:cs typeface="+mn-ea"/>
+              </a:rPr>
+              <a:t>QA</a:t>
+            </a:r>
+            <a:r>
+              <a:rPr lang="zh-CN" altLang="en-US" dirty="0">
+                <a:latin typeface="+mn-ea"/>
+                <a:cs typeface="+mn-ea"/>
+              </a:rPr>
+              <a:t>计划，搜集整理资料。</a:t>
+            </a:r>
+            <a:r>
+              <a:rPr lang="en-US" altLang="zh-CN" dirty="0">
+                <a:latin typeface="+mn-ea"/>
+                <a:cs typeface="+mn-ea"/>
+              </a:rPr>
+              <a:t>81</a:t>
+            </a:r>
+            <a:r>
+              <a:rPr lang="zh-CN" altLang="en-US" dirty="0">
+                <a:latin typeface="+mn-ea"/>
+                <a:cs typeface="+mn-ea"/>
+              </a:rPr>
+              <a:t>分</a:t>
+            </a:r>
+            <a:endParaRPr lang="en-US" altLang="zh-CN" dirty="0">
+              <a:latin typeface="+mn-ea"/>
+              <a:cs typeface="+mn-ea"/>
+            </a:endParaRPr>
+          </a:p>
+          <a:p>
+            <a:pPr marL="0" indent="0">
+              <a:buNone/>
+            </a:pPr>
+            <a:r>
+              <a:rPr lang="zh-CN" altLang="en-US" dirty="0">
+                <a:latin typeface="+mn-ea"/>
+                <a:cs typeface="+mn-ea"/>
+              </a:rPr>
+              <a:t>张琪：编写愿景与范围文档，搜集整理资料。</a:t>
+            </a:r>
+            <a:r>
+              <a:rPr lang="en-US" altLang="zh-CN" dirty="0">
+                <a:latin typeface="+mn-ea"/>
+                <a:cs typeface="+mn-ea"/>
+              </a:rPr>
+              <a:t>75</a:t>
+            </a:r>
+            <a:r>
+              <a:rPr lang="zh-CN" altLang="en-US" dirty="0">
+                <a:latin typeface="+mn-ea"/>
+                <a:cs typeface="+mn-ea"/>
+              </a:rPr>
+              <a:t>分</a:t>
+            </a:r>
+            <a:endParaRPr lang="zh-CN" altLang="zh-CN" dirty="0">
+              <a:latin typeface="+mn-ea"/>
+              <a:cs typeface="+mn-ea"/>
+            </a:endParaRPr>
+          </a:p>
+        </p:txBody>
+      </p:sp>
+      <p:sp>
+        <p:nvSpPr>
+          <p:cNvPr id="4" name="Freeform 5"/>
+          <p:cNvSpPr/>
+          <p:nvPr/>
+        </p:nvSpPr>
+        <p:spPr bwMode="auto">
+          <a:xfrm flipH="1">
+            <a:off x="0" y="-13281"/>
+            <a:ext cx="409433" cy="832147"/>
+          </a:xfrm>
+          <a:custGeom>
+            <a:avLst/>
+            <a:gdLst>
+              <a:gd name="T0" fmla="*/ 1462 w 2332"/>
+              <a:gd name="T1" fmla="*/ 0 h 3907"/>
+              <a:gd name="T2" fmla="*/ 2332 w 2332"/>
+              <a:gd name="T3" fmla="*/ 0 h 3907"/>
+              <a:gd name="T4" fmla="*/ 2332 w 2332"/>
+              <a:gd name="T5" fmla="*/ 3907 h 3907"/>
+              <a:gd name="T6" fmla="*/ 0 w 2332"/>
+              <a:gd name="T7" fmla="*/ 2595 h 3907"/>
+              <a:gd name="T8" fmla="*/ 1462 w 2332"/>
+              <a:gd name="T9" fmla="*/ 0 h 3907"/>
+            </a:gdLst>
+            <a:ahLst/>
+            <a:cxnLst>
+              <a:cxn ang="0">
+                <a:pos x="T0" y="T1"/>
+              </a:cxn>
+              <a:cxn ang="0">
+                <a:pos x="T2" y="T3"/>
+              </a:cxn>
+              <a:cxn ang="0">
+                <a:pos x="T4" y="T5"/>
+              </a:cxn>
+              <a:cxn ang="0">
+                <a:pos x="T6" y="T7"/>
+              </a:cxn>
+              <a:cxn ang="0">
+                <a:pos x="T8" y="T9"/>
+              </a:cxn>
+            </a:cxnLst>
+            <a:rect l="0" t="0" r="r" b="b"/>
+            <a:pathLst>
+              <a:path w="2332" h="3907">
+                <a:moveTo>
+                  <a:pt x="1462" y="0"/>
+                </a:moveTo>
+                <a:lnTo>
+                  <a:pt x="2332" y="0"/>
+                </a:lnTo>
+                <a:lnTo>
+                  <a:pt x="2332" y="3907"/>
+                </a:lnTo>
+                <a:lnTo>
+                  <a:pt x="0" y="2595"/>
+                </a:lnTo>
+                <a:lnTo>
+                  <a:pt x="1462" y="0"/>
+                </a:lnTo>
+                <a:close/>
+              </a:path>
+            </a:pathLst>
+          </a:custGeom>
+          <a:solidFill>
+            <a:srgbClr val="002B41"/>
+          </a:solidFill>
+          <a:ln w="28575">
+            <a:noFill/>
+          </a:ln>
+          <a:effectLst>
+            <a:outerShdw blurRad="254000" dist="127000" dir="2700000" algn="tl" rotWithShape="0">
+              <a:prstClr val="black">
+                <a:alpha val="40000"/>
+              </a:prstClr>
+            </a:outerShdw>
+          </a:effectLst>
+        </p:spPr>
+        <p:txBody>
+          <a:bodyPr anchor="ctr"/>
+          <a:lstStyle/>
+          <a:p>
+            <a:pPr algn="ctr"/>
+            <a:endParaRPr lang="zh-CN" altLang="en-US" sz="2000">
+              <a:solidFill>
+                <a:schemeClr val="bg1">
+                  <a:lumMod val="95000"/>
+                </a:schemeClr>
+              </a:solidFill>
+              <a:latin typeface="Calibri" panose="020F0502020204030204" pitchFamily="34" charset="0"/>
+              <a:ea typeface="宋体" panose="02010600030101010101" pitchFamily="2" charset="-122"/>
+            </a:endParaRPr>
+          </a:p>
+        </p:txBody>
+      </p:sp>
+    </p:spTree>
+    <p:extLst>
+      <p:ext uri="{BB962C8B-B14F-4D97-AF65-F5344CB8AC3E}">
+        <p14:creationId xmlns:p14="http://schemas.microsoft.com/office/powerpoint/2010/main" val="2797593213"/>
+      </p:ext>
+    </p:extLst>
+  </p:cSld>
+  <p:clrMapOvr>
+    <a:masterClrMapping/>
+  </p:clrMapOvr>
+</p:sld>
+</file>
+
+<file path=ppt/slides/slide56.xml><?xml version="1.0" encoding="utf-8"?>
+<p:sld xmlns:a="http://schemas.openxmlformats.org/drawingml/2006/main" xmlns:r="http://schemas.openxmlformats.org/officeDocument/2006/relationships" xmlns:p="http://schemas.openxmlformats.org/presentationml/2006/main">
+  <p:cSld>
+    <p:spTree>
+      <p:nvGrpSpPr>
+        <p:cNvPr id="1" name=""/>
+        <p:cNvGrpSpPr/>
+        <p:nvPr/>
+      </p:nvGrpSpPr>
+      <p:grpSpPr>
+        <a:xfrm>
+          <a:off x="0" y="0"/>
+          <a:ext cx="0" cy="0"/>
+          <a:chOff x="0" y="0"/>
+          <a:chExt cx="0" cy="0"/>
+        </a:xfrm>
+      </p:grpSpPr>
+      <p:sp>
+        <p:nvSpPr>
+          <p:cNvPr id="8" name="PA_Line 15"/>
+          <p:cNvSpPr>
+            <a:spLocks noChangeShapeType="1"/>
+          </p:cNvSpPr>
+          <p:nvPr>
+            <p:custDataLst>
+              <p:tags r:id="rId1"/>
+            </p:custDataLst>
+          </p:nvPr>
+        </p:nvSpPr>
+        <p:spPr bwMode="auto">
+          <a:xfrm flipV="1">
+            <a:off x="3459637" y="0"/>
+            <a:ext cx="7651028" cy="6860440"/>
+          </a:xfrm>
+          <a:prstGeom prst="line">
+            <a:avLst/>
+          </a:prstGeom>
+          <a:noFill/>
+          <a:ln w="7938" cap="flat">
+            <a:solidFill>
+              <a:srgbClr val="002B41"/>
+            </a:solidFill>
+            <a:prstDash val="solid"/>
+            <a:miter lim="800000"/>
+          </a:ln>
+          <a:extLst>
+            <a:ext uri="{909E8E84-426E-40DD-AFC4-6F175D3DCCD1}">
+              <a14:hiddenFill xmlns:a14="http://schemas.microsoft.com/office/drawing/2010/main">
+                <a:noFill/>
+              </a14:hiddenFill>
+            </a:ext>
+          </a:extLst>
+        </p:spPr>
+        <p:txBody>
+          <a:bodyPr vert="horz" wrap="square" lIns="91440" tIns="45720" rIns="91440" bIns="45720" numCol="1" anchor="t" anchorCtr="0" compatLnSpc="1"/>
+          <a:lstStyle/>
+          <a:p>
+            <a:endParaRPr lang="zh-CN" altLang="en-US">
+              <a:solidFill>
+                <a:prstClr val="black"/>
+              </a:solidFill>
+            </a:endParaRPr>
+          </a:p>
+        </p:txBody>
+      </p:sp>
+      <p:sp>
+        <p:nvSpPr>
+          <p:cNvPr id="9" name="PA_Line 16"/>
+          <p:cNvSpPr>
+            <a:spLocks noChangeShapeType="1"/>
+          </p:cNvSpPr>
+          <p:nvPr>
+            <p:custDataLst>
+              <p:tags r:id="rId2"/>
+            </p:custDataLst>
+          </p:nvPr>
+        </p:nvSpPr>
+        <p:spPr bwMode="auto">
+          <a:xfrm>
+            <a:off x="8045145" y="-179684"/>
+            <a:ext cx="4011737" cy="7040124"/>
+          </a:xfrm>
+          <a:prstGeom prst="line">
+            <a:avLst/>
+          </a:prstGeom>
+          <a:noFill/>
+          <a:ln w="7938" cap="flat">
+            <a:solidFill>
+              <a:srgbClr val="002B41"/>
+            </a:solidFill>
+            <a:prstDash val="solid"/>
+            <a:miter lim="800000"/>
+          </a:ln>
+          <a:extLst>
+            <a:ext uri="{909E8E84-426E-40DD-AFC4-6F175D3DCCD1}">
+              <a14:hiddenFill xmlns:a14="http://schemas.microsoft.com/office/drawing/2010/main">
+                <a:noFill/>
+              </a14:hiddenFill>
+            </a:ext>
+          </a:extLst>
+        </p:spPr>
+        <p:txBody>
+          <a:bodyPr vert="horz" wrap="square" lIns="91440" tIns="45720" rIns="91440" bIns="45720" numCol="1" anchor="t" anchorCtr="0" compatLnSpc="1"/>
+          <a:lstStyle/>
+          <a:p>
+            <a:endParaRPr lang="zh-CN" altLang="en-US">
+              <a:solidFill>
+                <a:prstClr val="black"/>
+              </a:solidFill>
+            </a:endParaRPr>
+          </a:p>
+        </p:txBody>
+      </p:sp>
+      <p:sp>
+        <p:nvSpPr>
+          <p:cNvPr id="10" name="PA_Line 17"/>
+          <p:cNvSpPr>
+            <a:spLocks noChangeShapeType="1"/>
+          </p:cNvSpPr>
+          <p:nvPr>
+            <p:custDataLst>
+              <p:tags r:id="rId3"/>
+            </p:custDataLst>
+          </p:nvPr>
+        </p:nvSpPr>
+        <p:spPr bwMode="auto">
+          <a:xfrm>
+            <a:off x="1517715" y="-37707"/>
+            <a:ext cx="10674284" cy="4949588"/>
+          </a:xfrm>
+          <a:prstGeom prst="line">
+            <a:avLst/>
+          </a:prstGeom>
+          <a:noFill/>
+          <a:ln w="7938" cap="flat">
+            <a:solidFill>
+              <a:srgbClr val="002B41"/>
+            </a:solidFill>
+            <a:prstDash val="solid"/>
+            <a:miter lim="800000"/>
+          </a:ln>
+          <a:extLst>
+            <a:ext uri="{909E8E84-426E-40DD-AFC4-6F175D3DCCD1}">
+              <a14:hiddenFill xmlns:a14="http://schemas.microsoft.com/office/drawing/2010/main">
+                <a:noFill/>
+              </a14:hiddenFill>
+            </a:ext>
+          </a:extLst>
+        </p:spPr>
+        <p:txBody>
+          <a:bodyPr vert="horz" wrap="square" lIns="91440" tIns="45720" rIns="91440" bIns="45720" numCol="1" anchor="t" anchorCtr="0" compatLnSpc="1"/>
+          <a:lstStyle/>
+          <a:p>
+            <a:endParaRPr lang="zh-CN" altLang="en-US">
+              <a:solidFill>
+                <a:prstClr val="black"/>
+              </a:solidFill>
+            </a:endParaRPr>
+          </a:p>
+        </p:txBody>
+      </p:sp>
+      <p:sp>
+        <p:nvSpPr>
+          <p:cNvPr id="11" name="PA_Line 18"/>
+          <p:cNvSpPr>
+            <a:spLocks noChangeShapeType="1"/>
+          </p:cNvSpPr>
+          <p:nvPr>
+            <p:custDataLst>
+              <p:tags r:id="rId4"/>
+            </p:custDataLst>
+          </p:nvPr>
+        </p:nvSpPr>
+        <p:spPr bwMode="auto">
+          <a:xfrm flipV="1">
+            <a:off x="9747262" y="-179684"/>
+            <a:ext cx="1891058" cy="7033554"/>
+          </a:xfrm>
+          <a:prstGeom prst="line">
+            <a:avLst/>
+          </a:prstGeom>
+          <a:noFill/>
+          <a:ln w="7938" cap="flat">
+            <a:solidFill>
+              <a:srgbClr val="002B41"/>
+            </a:solidFill>
+            <a:prstDash val="solid"/>
+            <a:miter lim="800000"/>
+          </a:ln>
+          <a:extLst>
+            <a:ext uri="{909E8E84-426E-40DD-AFC4-6F175D3DCCD1}">
+              <a14:hiddenFill xmlns:a14="http://schemas.microsoft.com/office/drawing/2010/main">
+                <a:noFill/>
+              </a14:hiddenFill>
+            </a:ext>
+          </a:extLst>
+        </p:spPr>
+        <p:txBody>
+          <a:bodyPr vert="horz" wrap="square" lIns="91440" tIns="45720" rIns="91440" bIns="45720" numCol="1" anchor="t" anchorCtr="0" compatLnSpc="1"/>
+          <a:lstStyle/>
+          <a:p>
+            <a:endParaRPr lang="zh-CN" altLang="en-US">
+              <a:solidFill>
+                <a:prstClr val="black"/>
+              </a:solidFill>
+            </a:endParaRPr>
+          </a:p>
+        </p:txBody>
+      </p:sp>
+      <p:sp>
+        <p:nvSpPr>
+          <p:cNvPr id="12" name="PA_椭圆 19"/>
+          <p:cNvSpPr>
+            <a:spLocks noChangeArrowheads="1"/>
+          </p:cNvSpPr>
+          <p:nvPr>
+            <p:custDataLst>
+              <p:tags r:id="rId5"/>
+            </p:custDataLst>
+          </p:nvPr>
+        </p:nvSpPr>
+        <p:spPr bwMode="auto">
+          <a:xfrm>
+            <a:off x="9105344" y="1710670"/>
+            <a:ext cx="100222" cy="100222"/>
+          </a:xfrm>
+          <a:prstGeom prst="ellipse">
+            <a:avLst/>
+          </a:prstGeom>
+          <a:solidFill>
+            <a:srgbClr val="002B41"/>
+          </a:solidFill>
+          <a:ln>
+            <a:noFill/>
+          </a:ln>
+        </p:spPr>
+        <p:txBody>
+          <a:bodyPr vert="horz" wrap="square" lIns="91440" tIns="45720" rIns="91440" bIns="45720" numCol="1" anchor="t" anchorCtr="0" compatLnSpc="1"/>
+          <a:lstStyle/>
+          <a:p>
+            <a:endParaRPr lang="zh-CN" altLang="en-US">
+              <a:solidFill>
+                <a:prstClr val="black"/>
+              </a:solidFill>
+            </a:endParaRPr>
+          </a:p>
+        </p:txBody>
+      </p:sp>
+      <p:sp>
+        <p:nvSpPr>
+          <p:cNvPr id="13" name="PA_椭圆 20"/>
+          <p:cNvSpPr>
+            <a:spLocks noChangeArrowheads="1"/>
+          </p:cNvSpPr>
+          <p:nvPr>
+            <p:custDataLst>
+              <p:tags r:id="rId6"/>
+            </p:custDataLst>
+          </p:nvPr>
+        </p:nvSpPr>
+        <p:spPr bwMode="auto">
+          <a:xfrm>
+            <a:off x="10435706" y="4050757"/>
+            <a:ext cx="100222" cy="100222"/>
+          </a:xfrm>
+          <a:prstGeom prst="ellipse">
+            <a:avLst/>
+          </a:prstGeom>
+          <a:solidFill>
+            <a:srgbClr val="002B41"/>
+          </a:solidFill>
+          <a:ln>
+            <a:noFill/>
+          </a:ln>
+        </p:spPr>
+        <p:txBody>
+          <a:bodyPr vert="horz" wrap="square" lIns="91440" tIns="45720" rIns="91440" bIns="45720" numCol="1" anchor="t" anchorCtr="0" compatLnSpc="1"/>
+          <a:lstStyle/>
+          <a:p>
+            <a:endParaRPr lang="zh-CN" altLang="en-US">
+              <a:solidFill>
+                <a:prstClr val="black"/>
+              </a:solidFill>
+            </a:endParaRPr>
+          </a:p>
+        </p:txBody>
+      </p:sp>
+      <p:sp>
+        <p:nvSpPr>
+          <p:cNvPr id="14" name="PA_任意多边形 5"/>
+          <p:cNvSpPr/>
+          <p:nvPr>
+            <p:custDataLst>
+              <p:tags r:id="rId7"/>
+            </p:custDataLst>
+          </p:nvPr>
+        </p:nvSpPr>
+        <p:spPr bwMode="auto">
+          <a:xfrm>
+            <a:off x="9257122" y="0"/>
+            <a:ext cx="2926691" cy="4911881"/>
+          </a:xfrm>
+          <a:custGeom>
+            <a:avLst/>
+            <a:gdLst>
+              <a:gd name="T0" fmla="*/ 1462 w 2332"/>
+              <a:gd name="T1" fmla="*/ 0 h 3907"/>
+              <a:gd name="T2" fmla="*/ 2332 w 2332"/>
+              <a:gd name="T3" fmla="*/ 0 h 3907"/>
+              <a:gd name="T4" fmla="*/ 2332 w 2332"/>
+              <a:gd name="T5" fmla="*/ 3907 h 3907"/>
+              <a:gd name="T6" fmla="*/ 0 w 2332"/>
+              <a:gd name="T7" fmla="*/ 2595 h 3907"/>
+              <a:gd name="T8" fmla="*/ 1462 w 2332"/>
+              <a:gd name="T9" fmla="*/ 0 h 3907"/>
+            </a:gdLst>
+            <a:ahLst/>
+            <a:cxnLst>
+              <a:cxn ang="0">
+                <a:pos x="T0" y="T1"/>
+              </a:cxn>
+              <a:cxn ang="0">
+                <a:pos x="T2" y="T3"/>
+              </a:cxn>
+              <a:cxn ang="0">
+                <a:pos x="T4" y="T5"/>
+              </a:cxn>
+              <a:cxn ang="0">
+                <a:pos x="T6" y="T7"/>
+              </a:cxn>
+              <a:cxn ang="0">
+                <a:pos x="T8" y="T9"/>
+              </a:cxn>
+            </a:cxnLst>
+            <a:rect l="0" t="0" r="r" b="b"/>
+            <a:pathLst>
+              <a:path w="2332" h="3907">
+                <a:moveTo>
+                  <a:pt x="1462" y="0"/>
+                </a:moveTo>
+                <a:lnTo>
+                  <a:pt x="2332" y="0"/>
+                </a:lnTo>
+                <a:lnTo>
+                  <a:pt x="2332" y="3907"/>
+                </a:lnTo>
+                <a:lnTo>
+                  <a:pt x="0" y="2595"/>
+                </a:lnTo>
+                <a:lnTo>
+                  <a:pt x="1462" y="0"/>
+                </a:lnTo>
+                <a:close/>
+              </a:path>
+            </a:pathLst>
+          </a:custGeom>
+          <a:solidFill>
+            <a:srgbClr val="002B41"/>
+          </a:solidFill>
+          <a:ln w="28575">
+            <a:noFill/>
+          </a:ln>
+          <a:effectLst>
+            <a:outerShdw blurRad="254000" dist="127000" dir="2700000" algn="tl" rotWithShape="0">
+              <a:prstClr val="black">
+                <a:alpha val="40000"/>
+              </a:prstClr>
+            </a:outerShdw>
+          </a:effectLst>
+        </p:spPr>
+        <p:txBody>
+          <a:bodyPr anchor="ctr"/>
+          <a:lstStyle/>
+          <a:p>
+            <a:pPr algn="ctr"/>
+            <a:endParaRPr lang="zh-CN" altLang="en-US" sz="2000">
+              <a:solidFill>
+                <a:srgbClr val="00183C"/>
+              </a:solidFill>
+            </a:endParaRPr>
+          </a:p>
+        </p:txBody>
+      </p:sp>
+      <p:sp>
+        <p:nvSpPr>
+          <p:cNvPr id="15" name="PA_椭圆 19"/>
+          <p:cNvSpPr>
+            <a:spLocks noChangeArrowheads="1"/>
+          </p:cNvSpPr>
+          <p:nvPr>
+            <p:custDataLst>
+              <p:tags r:id="rId8"/>
+            </p:custDataLst>
+          </p:nvPr>
+        </p:nvSpPr>
+        <p:spPr bwMode="auto">
+          <a:xfrm>
+            <a:off x="7847630" y="2860740"/>
+            <a:ext cx="100222" cy="100222"/>
+          </a:xfrm>
+          <a:prstGeom prst="ellipse">
+            <a:avLst/>
+          </a:prstGeom>
+          <a:solidFill>
+            <a:srgbClr val="002B41"/>
+          </a:solidFill>
+          <a:ln>
+            <a:noFill/>
+          </a:ln>
+        </p:spPr>
+        <p:txBody>
+          <a:bodyPr vert="horz" wrap="square" lIns="91440" tIns="45720" rIns="91440" bIns="45720" numCol="1" anchor="t" anchorCtr="0" compatLnSpc="1"/>
+          <a:lstStyle/>
+          <a:p>
+            <a:endParaRPr lang="zh-CN" altLang="en-US">
+              <a:solidFill>
+                <a:prstClr val="black"/>
+              </a:solidFill>
+            </a:endParaRPr>
+          </a:p>
+        </p:txBody>
+      </p:sp>
+      <p:sp>
+        <p:nvSpPr>
+          <p:cNvPr id="16" name="TextBox 76"/>
+          <p:cNvSpPr txBox="1"/>
+          <p:nvPr/>
+        </p:nvSpPr>
+        <p:spPr>
+          <a:xfrm>
+            <a:off x="1012190" y="2675890"/>
+            <a:ext cx="4613275" cy="1322070"/>
+          </a:xfrm>
+          <a:prstGeom prst="rect">
+            <a:avLst/>
+          </a:prstGeom>
+          <a:noFill/>
+        </p:spPr>
+        <p:txBody>
+          <a:bodyPr wrap="square" rtlCol="0">
+            <a:spAutoFit/>
+          </a:bodyPr>
+          <a:lstStyle/>
+          <a:p>
+            <a:r>
+              <a:rPr lang="zh-CN" altLang="en-US" sz="8000" dirty="0">
+                <a:solidFill>
+                  <a:srgbClr val="002B41"/>
+                </a:solidFill>
+                <a:latin typeface="微软雅黑" panose="020B0503020204020204" pitchFamily="34" charset="-122"/>
+                <a:ea typeface="微软雅黑" panose="020B0503020204020204" pitchFamily="34" charset="-122"/>
+              </a:rPr>
+              <a:t>感谢观看</a:t>
+            </a:r>
+          </a:p>
+        </p:txBody>
+      </p:sp>
+    </p:spTree>
+  </p:cSld>
+  <p:clrMapOvr>
+    <a:masterClrMapping/>
+  </p:clrMapOvr>
+</p:sld>
+</file>
+
+<file path=ppt/slides/slide6.xml><?xml version="1.0" encoding="utf-8"?>
+<p:sld xmlns:a="http://schemas.openxmlformats.org/drawingml/2006/main" xmlns:r="http://schemas.openxmlformats.org/officeDocument/2006/relationships" xmlns:p="http://schemas.openxmlformats.org/presentationml/2006/main">
+  <p:cSld>
+    <p:spTree>
+      <p:nvGrpSpPr>
+        <p:cNvPr id="1" name=""/>
+        <p:cNvGrpSpPr/>
+        <p:nvPr/>
+      </p:nvGrpSpPr>
+      <p:grpSpPr>
+        <a:xfrm>
+          <a:off x="0" y="0"/>
+          <a:ext cx="0" cy="0"/>
+          <a:chOff x="0" y="0"/>
+          <a:chExt cx="0" cy="0"/>
+        </a:xfrm>
+      </p:grpSpPr>
+      <p:sp>
+        <p:nvSpPr>
+          <p:cNvPr id="14" name="标题 13"/>
+          <p:cNvSpPr>
+            <a:spLocks noGrp="1"/>
+          </p:cNvSpPr>
+          <p:nvPr>
+            <p:ph type="title"/>
+          </p:nvPr>
+        </p:nvSpPr>
+        <p:spPr/>
+        <p:txBody>
+          <a:bodyPr>
+            <a:normAutofit/>
+          </a:bodyPr>
+          <a:lstStyle/>
+          <a:p>
+            <a:r>
+              <a:rPr lang="zh-CN" altLang="en-US" dirty="0"/>
+              <a:t>类图属性的概念</a:t>
+            </a:r>
+          </a:p>
+        </p:txBody>
+      </p:sp>
+      <p:sp>
+        <p:nvSpPr>
+          <p:cNvPr id="15" name="文本占位符 14"/>
+          <p:cNvSpPr>
+            <a:spLocks noGrp="1"/>
+          </p:cNvSpPr>
+          <p:nvPr>
+            <p:ph type="body" orient="vert" idx="1"/>
+          </p:nvPr>
+        </p:nvSpPr>
+        <p:spPr>
+          <a:xfrm>
+            <a:off x="838200" y="1825625"/>
+            <a:ext cx="10515600" cy="4351338"/>
+          </a:xfrm>
+        </p:spPr>
+        <p:txBody>
+          <a:bodyPr vert="horz"/>
+          <a:lstStyle/>
+          <a:p>
+            <a:pPr lvl="1"/>
+            <a:r>
+              <a:rPr lang="zh-CN" altLang="en-US" b="1" dirty="0"/>
+              <a:t>属性描述了类在软件系统中代表的事物（即对象）所具的特性。类可以有任意数日的属性，也可以没有属性中的 </a:t>
+            </a:r>
+            <a:r>
+              <a:rPr lang="en-US" altLang="zh-CN" b="1" dirty="0"/>
+              <a:t>Account</a:t>
+            </a:r>
+            <a:r>
+              <a:rPr lang="zh-CN" altLang="en-US" b="1" dirty="0"/>
+              <a:t>类中的 </a:t>
+            </a:r>
+            <a:r>
+              <a:rPr lang="en-US" altLang="zh-CN" b="1" dirty="0"/>
+              <a:t>balance</a:t>
+            </a:r>
+            <a:r>
+              <a:rPr lang="zh-CN" altLang="en-US" b="1" dirty="0"/>
+              <a:t>属性），另外还可以有其他的描述信息，如可见性、数据类型、默认值等，如图所示。在</a:t>
+            </a:r>
+            <a:r>
+              <a:rPr lang="en-US" altLang="zh-CN" b="1" dirty="0"/>
+              <a:t>UML</a:t>
+            </a:r>
+            <a:r>
+              <a:rPr lang="zh-CN" altLang="en-US" b="1" dirty="0"/>
+              <a:t>中，类属性的语法为</a:t>
+            </a:r>
+            <a:r>
+              <a:rPr lang="en-US" altLang="zh-CN" b="1" dirty="0"/>
+              <a:t>:[</a:t>
+            </a:r>
+            <a:r>
+              <a:rPr lang="zh-CN" altLang="en-US" b="1" dirty="0"/>
+              <a:t>可见性</a:t>
+            </a:r>
+            <a:r>
+              <a:rPr lang="en-US" altLang="zh-CN" b="1" dirty="0"/>
+              <a:t>]</a:t>
+            </a:r>
+            <a:r>
+              <a:rPr lang="zh-CN" altLang="en-US" b="1" dirty="0"/>
+              <a:t>属性名</a:t>
+            </a:r>
+            <a:r>
+              <a:rPr lang="en-US" altLang="zh-CN" b="1" dirty="0"/>
+              <a:t>[</a:t>
+            </a:r>
+            <a:r>
+              <a:rPr lang="zh-CN" altLang="en-US" b="1" dirty="0"/>
+              <a:t>：类型</a:t>
+            </a:r>
+            <a:r>
+              <a:rPr lang="en-US" altLang="zh-CN" b="1" dirty="0"/>
+              <a:t>][</a:t>
+            </a:r>
+            <a:r>
+              <a:rPr lang="zh-CN" altLang="en-US" b="1" dirty="0"/>
+              <a:t>＝初始值</a:t>
+            </a:r>
+            <a:r>
+              <a:rPr lang="en-US" altLang="zh-CN" b="1" dirty="0"/>
+              <a:t>][{</a:t>
+            </a:r>
+            <a:r>
+              <a:rPr lang="zh-CN" altLang="en-US" b="1" dirty="0"/>
+              <a:t>属性字符串</a:t>
+            </a:r>
+            <a:r>
+              <a:rPr lang="en-US" altLang="zh-CN" b="1" dirty="0"/>
+              <a:t>}]</a:t>
+            </a:r>
+          </a:p>
+        </p:txBody>
+      </p:sp>
+      <p:sp>
+        <p:nvSpPr>
+          <p:cNvPr id="4" name="Freeform 5"/>
+          <p:cNvSpPr/>
+          <p:nvPr/>
+        </p:nvSpPr>
+        <p:spPr bwMode="auto">
+          <a:xfrm flipH="1">
+            <a:off x="0" y="-13281"/>
+            <a:ext cx="409433" cy="832147"/>
+          </a:xfrm>
+          <a:custGeom>
+            <a:avLst/>
+            <a:gdLst>
+              <a:gd name="T0" fmla="*/ 1462 w 2332"/>
+              <a:gd name="T1" fmla="*/ 0 h 3907"/>
+              <a:gd name="T2" fmla="*/ 2332 w 2332"/>
+              <a:gd name="T3" fmla="*/ 0 h 3907"/>
+              <a:gd name="T4" fmla="*/ 2332 w 2332"/>
+              <a:gd name="T5" fmla="*/ 3907 h 3907"/>
+              <a:gd name="T6" fmla="*/ 0 w 2332"/>
+              <a:gd name="T7" fmla="*/ 2595 h 3907"/>
+              <a:gd name="T8" fmla="*/ 1462 w 2332"/>
+              <a:gd name="T9" fmla="*/ 0 h 3907"/>
+            </a:gdLst>
+            <a:ahLst/>
+            <a:cxnLst>
+              <a:cxn ang="0">
+                <a:pos x="T0" y="T1"/>
+              </a:cxn>
+              <a:cxn ang="0">
+                <a:pos x="T2" y="T3"/>
+              </a:cxn>
+              <a:cxn ang="0">
+                <a:pos x="T4" y="T5"/>
+              </a:cxn>
+              <a:cxn ang="0">
+                <a:pos x="T6" y="T7"/>
+              </a:cxn>
+              <a:cxn ang="0">
+                <a:pos x="T8" y="T9"/>
+              </a:cxn>
+            </a:cxnLst>
+            <a:rect l="0" t="0" r="r" b="b"/>
+            <a:pathLst>
+              <a:path w="2332" h="3907">
+                <a:moveTo>
+                  <a:pt x="1462" y="0"/>
+                </a:moveTo>
+                <a:lnTo>
+                  <a:pt x="2332" y="0"/>
+                </a:lnTo>
+                <a:lnTo>
+                  <a:pt x="2332" y="3907"/>
+                </a:lnTo>
+                <a:lnTo>
+                  <a:pt x="0" y="2595"/>
+                </a:lnTo>
+                <a:lnTo>
+                  <a:pt x="1462" y="0"/>
+                </a:lnTo>
+                <a:close/>
+              </a:path>
+            </a:pathLst>
+          </a:custGeom>
+          <a:solidFill>
+            <a:srgbClr val="002B41"/>
+          </a:solidFill>
+          <a:ln w="28575">
+            <a:noFill/>
+          </a:ln>
+          <a:effectLst>
+            <a:outerShdw blurRad="254000" dist="127000" dir="2700000" algn="tl" rotWithShape="0">
+              <a:prstClr val="black">
+                <a:alpha val="40000"/>
+              </a:prstClr>
+            </a:outerShdw>
+          </a:effectLst>
+        </p:spPr>
+        <p:txBody>
+          <a:bodyPr anchor="ctr"/>
+          <a:lstStyle/>
+          <a:p>
+            <a:pPr algn="ctr"/>
+            <a:endParaRPr lang="zh-CN" altLang="en-US" sz="2000">
+              <a:solidFill>
+                <a:schemeClr val="bg1">
+                  <a:lumMod val="95000"/>
+                </a:schemeClr>
+              </a:solidFill>
+              <a:latin typeface="Calibri" panose="020F0502020204030204" pitchFamily="34" charset="0"/>
+              <a:ea typeface="宋体" panose="02010600030101010101" pitchFamily="2" charset="-122"/>
+            </a:endParaRPr>
+          </a:p>
+        </p:txBody>
+      </p:sp>
       <p:pic>
         <p:nvPicPr>
           <p:cNvPr id="2" name="图片 1">
@@ -24041,6 +26720,35 @@
           <a:xfrm>
             <a:off x="1828800" y="3906491"/>
             <a:ext cx="5080000" cy="2270818"/>
+          </a:xfrm>
+          <a:prstGeom prst="rect">
+            <a:avLst/>
+          </a:prstGeom>
+        </p:spPr>
+      </p:pic>
+      <p:pic>
+        <p:nvPicPr>
+          <p:cNvPr id="3" name="图片 2">
+            <a:extLst>
+              <a:ext uri="{FF2B5EF4-FFF2-40B4-BE49-F238E27FC236}">
+                <a16:creationId xmlns:a16="http://schemas.microsoft.com/office/drawing/2014/main" id="{BAC4BAF3-A5DE-4EA2-8083-8F400353006F}"/>
+              </a:ext>
+            </a:extLst>
+          </p:cNvPr>
+          <p:cNvPicPr>
+            <a:picLocks noChangeAspect="1"/>
+          </p:cNvPicPr>
+          <p:nvPr/>
+        </p:nvPicPr>
+        <p:blipFill rotWithShape="1">
+          <a:blip r:embed="rId3"/>
+          <a:srcRect l="39645" t="21497" r="39815" b="20137"/>
+          <a:stretch/>
+        </p:blipFill>
+        <p:spPr>
+          <a:xfrm>
+            <a:off x="7772399" y="1170507"/>
+            <a:ext cx="3163077" cy="5055790"/>
           </a:xfrm>
           <a:prstGeom prst="rect">
             <a:avLst/>
@@ -24105,6 +26813,150 @@
                                         <p:strVal val="visible"/>
                                       </p:to>
                                     </p:set>
+                                  </p:childTnLst>
+                                </p:cTn>
+                              </p:par>
+                            </p:childTnLst>
+                          </p:cTn>
+                        </p:par>
+                      </p:childTnLst>
+                    </p:cTn>
+                  </p:par>
+                  <p:par>
+                    <p:cTn id="7" fill="hold">
+                      <p:stCondLst>
+                        <p:cond delay="indefinite"/>
+                      </p:stCondLst>
+                      <p:childTnLst>
+                        <p:par>
+                          <p:cTn id="8" fill="hold">
+                            <p:stCondLst>
+                              <p:cond delay="0"/>
+                            </p:stCondLst>
+                            <p:childTnLst>
+                              <p:par>
+                                <p:cTn id="9" presetID="10" presetClass="entr" presetSubtype="0" fill="hold" nodeType="clickEffect">
+                                  <p:stCondLst>
+                                    <p:cond delay="0"/>
+                                  </p:stCondLst>
+                                  <p:childTnLst>
+                                    <p:set>
+                                      <p:cBhvr>
+                                        <p:cTn id="10" dur="1" fill="hold">
+                                          <p:stCondLst>
+                                            <p:cond delay="0"/>
+                                          </p:stCondLst>
+                                        </p:cTn>
+                                        <p:tgtEl>
+                                          <p:spTgt spid="2"/>
+                                        </p:tgtEl>
+                                        <p:attrNameLst>
+                                          <p:attrName>style.visibility</p:attrName>
+                                        </p:attrNameLst>
+                                      </p:cBhvr>
+                                      <p:to>
+                                        <p:strVal val="visible"/>
+                                      </p:to>
+                                    </p:set>
+                                    <p:animEffect transition="in" filter="fade">
+                                      <p:cBhvr>
+                                        <p:cTn id="11" dur="500"/>
+                                        <p:tgtEl>
+                                          <p:spTgt spid="2"/>
+                                        </p:tgtEl>
+                                      </p:cBhvr>
+                                    </p:animEffect>
+                                  </p:childTnLst>
+                                </p:cTn>
+                              </p:par>
+                            </p:childTnLst>
+                          </p:cTn>
+                        </p:par>
+                      </p:childTnLst>
+                    </p:cTn>
+                  </p:par>
+                  <p:par>
+                    <p:cTn id="12" fill="hold">
+                      <p:stCondLst>
+                        <p:cond delay="indefinite"/>
+                      </p:stCondLst>
+                      <p:childTnLst>
+                        <p:par>
+                          <p:cTn id="13" fill="hold">
+                            <p:stCondLst>
+                              <p:cond delay="0"/>
+                            </p:stCondLst>
+                            <p:childTnLst>
+                              <p:par>
+                                <p:cTn id="14" presetID="2" presetClass="entr" presetSubtype="4" fill="hold" nodeType="clickEffect">
+                                  <p:stCondLst>
+                                    <p:cond delay="0"/>
+                                  </p:stCondLst>
+                                  <p:childTnLst>
+                                    <p:set>
+                                      <p:cBhvr>
+                                        <p:cTn id="15" dur="1" fill="hold">
+                                          <p:stCondLst>
+                                            <p:cond delay="0"/>
+                                          </p:stCondLst>
+                                        </p:cTn>
+                                        <p:tgtEl>
+                                          <p:spTgt spid="3"/>
+                                        </p:tgtEl>
+                                        <p:attrNameLst>
+                                          <p:attrName>style.visibility</p:attrName>
+                                        </p:attrNameLst>
+                                      </p:cBhvr>
+                                      <p:to>
+                                        <p:strVal val="visible"/>
+                                      </p:to>
+                                    </p:set>
+                                    <p:anim calcmode="lin" valueType="num">
+                                      <p:cBhvr additive="base">
+                                        <p:cTn id="16" dur="500" fill="hold"/>
+                                        <p:tgtEl>
+                                          <p:spTgt spid="3"/>
+                                        </p:tgtEl>
+                                        <p:attrNameLst>
+                                          <p:attrName>ppt_x</p:attrName>
+                                        </p:attrNameLst>
+                                      </p:cBhvr>
+                                      <p:tavLst>
+                                        <p:tav tm="0">
+                                          <p:val>
+                                            <p:strVal val="#ppt_x"/>
+                                          </p:val>
+                                        </p:tav>
+                                        <p:tav tm="100000">
+                                          <p:val>
+                                            <p:strVal val="#ppt_x"/>
+                                          </p:val>
+                                        </p:tav>
+                                      </p:tavLst>
+                                    </p:anim>
+                                    <p:anim calcmode="lin" valueType="num">
+                                      <p:cBhvr additive="base">
+                                        <p:cTn id="17" dur="500" fill="hold"/>
+                                        <p:tgtEl>
+                                          <p:spTgt spid="3"/>
+                                        </p:tgtEl>
+                                        <p:attrNameLst>
+                                          <p:attrName>ppt_y</p:attrName>
+                                        </p:attrNameLst>
+                                      </p:cBhvr>
+                                      <p:tavLst>
+                                        <p:tav tm="0">
+                                          <p:val>
+                                            <p:strVal val="1+#ppt_h/2"/>
+                                          </p:val>
+                                        </p:tav>
+                                        <p:tav tm="100000">
+                                          <p:val>
+                                            <p:strVal val="#ppt_y"/>
+                                          </p:val>
+                                        </p:tav>
+                                      </p:tavLst>
+                                    </p:anim>
                                   </p:childTnLst>
                                 </p:cTn>
                               </p:par>
@@ -25290,6 +28142,48 @@
 </p:tagLst>
 </file>
 
+<file path=ppt/tags/tag10.xml><?xml version="1.0" encoding="utf-8"?>
+<p:tagLst xmlns:a="http://schemas.openxmlformats.org/drawingml/2006/main" xmlns:r="http://schemas.openxmlformats.org/officeDocument/2006/relationships" xmlns:p="http://schemas.openxmlformats.org/presentationml/2006/main">
+  <p:tag name="PA" val="v3.0.1"/>
+</p:tagLst>
+</file>
+
+<file path=ppt/tags/tag11.xml><?xml version="1.0" encoding="utf-8"?>
+<p:tagLst xmlns:a="http://schemas.openxmlformats.org/drawingml/2006/main" xmlns:r="http://schemas.openxmlformats.org/officeDocument/2006/relationships" xmlns:p="http://schemas.openxmlformats.org/presentationml/2006/main">
+  <p:tag name="PA" val="v3.0.1"/>
+</p:tagLst>
+</file>
+
+<file path=ppt/tags/tag12.xml><?xml version="1.0" encoding="utf-8"?>
+<p:tagLst xmlns:a="http://schemas.openxmlformats.org/drawingml/2006/main" xmlns:r="http://schemas.openxmlformats.org/officeDocument/2006/relationships" xmlns:p="http://schemas.openxmlformats.org/presentationml/2006/main">
+  <p:tag name="PA" val="v3.0.1"/>
+</p:tagLst>
+</file>
+
+<file path=ppt/tags/tag13.xml><?xml version="1.0" encoding="utf-8"?>
+<p:tagLst xmlns:a="http://schemas.openxmlformats.org/drawingml/2006/main" xmlns:r="http://schemas.openxmlformats.org/officeDocument/2006/relationships" xmlns:p="http://schemas.openxmlformats.org/presentationml/2006/main">
+  <p:tag name="PA" val="v3.0.1"/>
+</p:tagLst>
+</file>
+
+<file path=ppt/tags/tag14.xml><?xml version="1.0" encoding="utf-8"?>
+<p:tagLst xmlns:a="http://schemas.openxmlformats.org/drawingml/2006/main" xmlns:r="http://schemas.openxmlformats.org/officeDocument/2006/relationships" xmlns:p="http://schemas.openxmlformats.org/presentationml/2006/main">
+  <p:tag name="PA" val="v3.0.1"/>
+</p:tagLst>
+</file>
+
+<file path=ppt/tags/tag15.xml><?xml version="1.0" encoding="utf-8"?>
+<p:tagLst xmlns:a="http://schemas.openxmlformats.org/drawingml/2006/main" xmlns:r="http://schemas.openxmlformats.org/officeDocument/2006/relationships" xmlns:p="http://schemas.openxmlformats.org/presentationml/2006/main">
+  <p:tag name="PA" val="v3.0.1"/>
+</p:tagLst>
+</file>
+
+<file path=ppt/tags/tag16.xml><?xml version="1.0" encoding="utf-8"?>
+<p:tagLst xmlns:a="http://schemas.openxmlformats.org/drawingml/2006/main" xmlns:r="http://schemas.openxmlformats.org/officeDocument/2006/relationships" xmlns:p="http://schemas.openxmlformats.org/presentationml/2006/main">
+  <p:tag name="PA" val="v3.0.1"/>
+</p:tagLst>
+</file>
+
 <file path=ppt/tags/tag2.xml><?xml version="1.0" encoding="utf-8"?>
 <p:tagLst xmlns:a="http://schemas.openxmlformats.org/drawingml/2006/main" xmlns:r="http://schemas.openxmlformats.org/officeDocument/2006/relationships" xmlns:p="http://schemas.openxmlformats.org/presentationml/2006/main">
   <p:tag name="PA" val="v3.0.1"/>
@@ -25327,6 +28221,12 @@
 </file>
 
 <file path=ppt/tags/tag8.xml><?xml version="1.0" encoding="utf-8"?>
+<p:tagLst xmlns:a="http://schemas.openxmlformats.org/drawingml/2006/main" xmlns:r="http://schemas.openxmlformats.org/officeDocument/2006/relationships" xmlns:p="http://schemas.openxmlformats.org/presentationml/2006/main">
+  <p:tag name="PA" val="v3.0.1"/>
+</p:tagLst>
+</file>
+
+<file path=ppt/tags/tag9.xml><?xml version="1.0" encoding="utf-8"?>
 <p:tagLst xmlns:a="http://schemas.openxmlformats.org/drawingml/2006/main" xmlns:r="http://schemas.openxmlformats.org/officeDocument/2006/relationships" xmlns:p="http://schemas.openxmlformats.org/presentationml/2006/main">
   <p:tag name="PA" val="v3.0.1"/>
 </p:tagLst>
